--- a/수정/2조 요구사항 정의서, 유스케이스(최종).pptx
+++ b/수정/2조 요구사항 정의서, 유스케이스(최종).pptx
@@ -232,7 +232,7 @@
           <a:p>
             <a:fld id="{68CE669B-82F6-413F-A53E-B4CD39A19C57}" type="datetimeFigureOut">
               <a:rPr lang="ko-KR" altLang="en-US" smtClean="0"/>
-              <a:t>2024-03-15</a:t>
+              <a:t>2024-03-18</a:t>
             </a:fld>
             <a:endParaRPr lang="ko-KR" altLang="en-US"/>
           </a:p>
@@ -646,7 +646,7 @@
           <a:p>
             <a:fld id="{9CB6D52B-C876-46F5-A68D-273A0F2D6936}" type="datetimeFigureOut">
               <a:rPr lang="ko-KR" altLang="en-US" smtClean="0"/>
-              <a:t>2024-03-15</a:t>
+              <a:t>2024-03-18</a:t>
             </a:fld>
             <a:endParaRPr lang="ko-KR" altLang="en-US"/>
           </a:p>
@@ -950,7 +950,7 @@
           <a:p>
             <a:fld id="{9CB6D52B-C876-46F5-A68D-273A0F2D6936}" type="datetimeFigureOut">
               <a:rPr lang="ko-KR" altLang="en-US" smtClean="0"/>
-              <a:t>2024-03-15</a:t>
+              <a:t>2024-03-18</a:t>
             </a:fld>
             <a:endParaRPr lang="ko-KR" altLang="en-US"/>
           </a:p>
@@ -1148,7 +1148,7 @@
           <a:p>
             <a:fld id="{9CB6D52B-C876-46F5-A68D-273A0F2D6936}" type="datetimeFigureOut">
               <a:rPr lang="ko-KR" altLang="en-US" smtClean="0"/>
-              <a:t>2024-03-15</a:t>
+              <a:t>2024-03-18</a:t>
             </a:fld>
             <a:endParaRPr lang="ko-KR" altLang="en-US"/>
           </a:p>
@@ -1356,7 +1356,7 @@
           <a:p>
             <a:fld id="{9CB6D52B-C876-46F5-A68D-273A0F2D6936}" type="datetimeFigureOut">
               <a:rPr lang="ko-KR" altLang="en-US" smtClean="0"/>
-              <a:t>2024-03-15</a:t>
+              <a:t>2024-03-18</a:t>
             </a:fld>
             <a:endParaRPr lang="ko-KR" altLang="en-US"/>
           </a:p>
@@ -1554,7 +1554,7 @@
           <a:p>
             <a:fld id="{9CB6D52B-C876-46F5-A68D-273A0F2D6936}" type="datetimeFigureOut">
               <a:rPr lang="ko-KR" altLang="en-US" smtClean="0"/>
-              <a:t>2024-03-15</a:t>
+              <a:t>2024-03-18</a:t>
             </a:fld>
             <a:endParaRPr lang="ko-KR" altLang="en-US"/>
           </a:p>
@@ -1829,7 +1829,7 @@
           <a:p>
             <a:fld id="{9CB6D52B-C876-46F5-A68D-273A0F2D6936}" type="datetimeFigureOut">
               <a:rPr lang="ko-KR" altLang="en-US" smtClean="0"/>
-              <a:t>2024-03-15</a:t>
+              <a:t>2024-03-18</a:t>
             </a:fld>
             <a:endParaRPr lang="ko-KR" altLang="en-US"/>
           </a:p>
@@ -2094,7 +2094,7 @@
           <a:p>
             <a:fld id="{9CB6D52B-C876-46F5-A68D-273A0F2D6936}" type="datetimeFigureOut">
               <a:rPr lang="ko-KR" altLang="en-US" smtClean="0"/>
-              <a:t>2024-03-15</a:t>
+              <a:t>2024-03-18</a:t>
             </a:fld>
             <a:endParaRPr lang="ko-KR" altLang="en-US"/>
           </a:p>
@@ -2506,7 +2506,7 @@
           <a:p>
             <a:fld id="{9CB6D52B-C876-46F5-A68D-273A0F2D6936}" type="datetimeFigureOut">
               <a:rPr lang="ko-KR" altLang="en-US" smtClean="0"/>
-              <a:t>2024-03-15</a:t>
+              <a:t>2024-03-18</a:t>
             </a:fld>
             <a:endParaRPr lang="ko-KR" altLang="en-US"/>
           </a:p>
@@ -2647,7 +2647,7 @@
           <a:p>
             <a:fld id="{9CB6D52B-C876-46F5-A68D-273A0F2D6936}" type="datetimeFigureOut">
               <a:rPr lang="ko-KR" altLang="en-US" smtClean="0"/>
-              <a:t>2024-03-15</a:t>
+              <a:t>2024-03-18</a:t>
             </a:fld>
             <a:endParaRPr lang="ko-KR" altLang="en-US"/>
           </a:p>
@@ -2760,7 +2760,7 @@
           <a:p>
             <a:fld id="{9CB6D52B-C876-46F5-A68D-273A0F2D6936}" type="datetimeFigureOut">
               <a:rPr lang="ko-KR" altLang="en-US" smtClean="0"/>
-              <a:t>2024-03-15</a:t>
+              <a:t>2024-03-18</a:t>
             </a:fld>
             <a:endParaRPr lang="ko-KR" altLang="en-US"/>
           </a:p>
@@ -2978,7 +2978,7 @@
           <a:p>
             <a:fld id="{9CB6D52B-C876-46F5-A68D-273A0F2D6936}" type="datetimeFigureOut">
               <a:rPr lang="ko-KR" altLang="en-US" smtClean="0"/>
-              <a:t>2024-03-15</a:t>
+              <a:t>2024-03-18</a:t>
             </a:fld>
             <a:endParaRPr lang="ko-KR" altLang="en-US"/>
           </a:p>
@@ -3305,7 +3305,7 @@
           <a:p>
             <a:fld id="{9CB6D52B-C876-46F5-A68D-273A0F2D6936}" type="datetimeFigureOut">
               <a:rPr lang="ko-KR" altLang="en-US" smtClean="0"/>
-              <a:t>2024-03-15</a:t>
+              <a:t>2024-03-18</a:t>
             </a:fld>
             <a:endParaRPr lang="ko-KR" altLang="en-US"/>
           </a:p>
@@ -3562,7 +3562,7 @@
           <a:p>
             <a:fld id="{9CB6D52B-C876-46F5-A68D-273A0F2D6936}" type="datetimeFigureOut">
               <a:rPr lang="ko-KR" altLang="en-US" smtClean="0"/>
-              <a:t>2024-03-15</a:t>
+              <a:t>2024-03-18</a:t>
             </a:fld>
             <a:endParaRPr lang="ko-KR" altLang="en-US"/>
           </a:p>
@@ -5658,6 +5658,17 @@
                           <a:ea typeface="맑은 고딕" panose="020B0503020000020004" pitchFamily="50" charset="-127"/>
                         </a:rPr>
                       </a:br>
+                      <a:r>
+                        <a:rPr lang="en-US" altLang="ko-KR" sz="1400" b="0" i="0" u="none" strike="noStrike" dirty="0">
+                          <a:solidFill>
+                            <a:srgbClr val="40623D"/>
+                          </a:solidFill>
+                          <a:effectLst/>
+                          <a:latin typeface="맑은 고딕" panose="020B0503020000020004" pitchFamily="50" charset="-127"/>
+                          <a:ea typeface="맑은 고딕" panose="020B0503020000020004" pitchFamily="50" charset="-127"/>
+                        </a:rPr>
+                        <a:t/>
+                      </a:r>
                       <a:br>
                         <a:rPr lang="en-US" altLang="ko-KR" sz="1400" b="0" i="0" u="none" strike="noStrike" dirty="0">
                           <a:solidFill>
@@ -16953,7 +16964,7 @@
                 <a14:useLocalDpi xmlns:a14="http://schemas.microsoft.com/office/drawing/2010/main" val="0"/>
               </a:ext>
               <a:ext uri="{96DAC541-7B7A-43D3-8B79-37D633B846F1}">
-                <asvg:svgBlip xmlns:asvg="http://schemas.microsoft.com/office/drawing/2016/SVG/main" r:embed="rId3"/>
+                <asvg:svgBlip xmlns:asvg="http://schemas.microsoft.com/office/drawing/2016/SVG/main" xmlns="" r:embed="rId3"/>
               </a:ext>
             </a:extLst>
           </a:blip>
@@ -17737,7 +17748,7 @@
                 <a14:useLocalDpi xmlns:a14="http://schemas.microsoft.com/office/drawing/2010/main" val="0"/>
               </a:ext>
               <a:ext uri="{96DAC541-7B7A-43D3-8B79-37D633B846F1}">
-                <asvg:svgBlip xmlns:asvg="http://schemas.microsoft.com/office/drawing/2016/SVG/main" r:embed="rId3"/>
+                <asvg:svgBlip xmlns:asvg="http://schemas.microsoft.com/office/drawing/2016/SVG/main" xmlns="" r:embed="rId3"/>
               </a:ext>
             </a:extLst>
           </a:blip>
@@ -18163,14 +18174,14 @@
           <p:nvPr>
             <p:extLst>
               <p:ext uri="{D42A27DB-BD31-4B8C-83A1-F6EECF244321}">
-                <p14:modId xmlns:p14="http://schemas.microsoft.com/office/powerpoint/2010/main" val="746635652"/>
+                <p14:modId xmlns:p14="http://schemas.microsoft.com/office/powerpoint/2010/main" val="2869163133"/>
               </p:ext>
             </p:extLst>
           </p:nvPr>
         </p:nvGraphicFramePr>
         <p:xfrm>
           <a:off x="633807" y="961053"/>
-          <a:ext cx="10924383" cy="5724597"/>
+          <a:ext cx="10924383" cy="5785683"/>
         </p:xfrm>
         <a:graphic>
           <a:graphicData uri="http://schemas.openxmlformats.org/drawingml/2006/table">
@@ -19800,7 +19811,29 @@
                           <a:latin typeface="맑은 고딕" panose="020B0503020000020004" pitchFamily="50" charset="-127"/>
                           <a:ea typeface="맑은 고딕" panose="020B0503020000020004" pitchFamily="50" charset="-127"/>
                         </a:rPr>
-                        <a:t>화면 왼쪽 끝 최대한 얇게 구현</a:t>
+                        <a:t>화면 왼쪽 </a:t>
+                      </a:r>
+                      <a:r>
+                        <a:rPr lang="ko-KR" altLang="en-US" sz="1400" b="0" i="0" u="none" strike="noStrike" dirty="0" smtClean="0">
+                          <a:solidFill>
+                            <a:srgbClr val="40623D"/>
+                          </a:solidFill>
+                          <a:effectLst/>
+                          <a:latin typeface="맑은 고딕" panose="020B0503020000020004" pitchFamily="50" charset="-127"/>
+                          <a:ea typeface="맑은 고딕" panose="020B0503020000020004" pitchFamily="50" charset="-127"/>
+                        </a:rPr>
+                        <a:t>끝</a:t>
+                      </a:r>
+                      <a:r>
+                        <a:rPr lang="en-US" altLang="ko-KR" sz="1400" b="0" i="0" u="none" strike="noStrike" dirty="0" smtClean="0">
+                          <a:solidFill>
+                            <a:srgbClr val="40623D"/>
+                          </a:solidFill>
+                          <a:effectLst/>
+                          <a:latin typeface="맑은 고딕" panose="020B0503020000020004" pitchFamily="50" charset="-127"/>
+                          <a:ea typeface="맑은 고딕" panose="020B0503020000020004" pitchFamily="50" charset="-127"/>
+                        </a:rPr>
+                        <a:t>) </a:t>
                       </a:r>
                       <a:r>
                         <a:rPr lang="en-US" altLang="ko-KR" sz="1400" b="0" i="0" u="none" strike="noStrike" dirty="0">
@@ -19811,7 +19844,7 @@
                           <a:latin typeface="맑은 고딕" panose="020B0503020000020004" pitchFamily="50" charset="-127"/>
                           <a:ea typeface="맑은 고딕" panose="020B0503020000020004" pitchFamily="50" charset="-127"/>
                         </a:rPr>
-                        <a:t>) – </a:t>
+                        <a:t>– </a:t>
                       </a:r>
                       <a:r>
                         <a:rPr lang="ko-KR" altLang="en-US" sz="1400" b="0" i="0" u="none" strike="noStrike" dirty="0">
@@ -20484,269 +20517,6 @@
           </a:graphicData>
         </a:graphic>
       </p:graphicFrame>
-      <p:sp>
-        <p:nvSpPr>
-          <p:cNvPr id="12" name="TextBox 11">
-            <a:extLst>
-              <a:ext uri="{FF2B5EF4-FFF2-40B4-BE49-F238E27FC236}">
-                <a16:creationId xmlns:a16="http://schemas.microsoft.com/office/drawing/2014/main" id="{01369814-7A3E-F5B9-E6C4-748C0BFE9E1A}"/>
-              </a:ext>
-            </a:extLst>
-          </p:cNvPr>
-          <p:cNvSpPr txBox="1"/>
-          <p:nvPr/>
-        </p:nvSpPr>
-        <p:spPr>
-          <a:xfrm>
-            <a:off x="230977" y="7168135"/>
-            <a:ext cx="6096000" cy="3477875"/>
-          </a:xfrm>
-          <a:prstGeom prst="rect">
-            <a:avLst/>
-          </a:prstGeom>
-          <a:noFill/>
-        </p:spPr>
-        <p:txBody>
-          <a:bodyPr wrap="square">
-            <a:spAutoFit/>
-          </a:bodyPr>
-          <a:lstStyle/>
-          <a:p>
-            <a:pPr marL="342900" lvl="0" indent="-342900">
-              <a:buFont typeface="Wingdings" panose="05000000000000000000" pitchFamily="2" charset="2"/>
-              <a:buChar char="ü"/>
-            </a:pPr>
-            <a:r>
-              <a:rPr lang="ko-KR" altLang="en-US" sz="2000" b="1" dirty="0">
-                <a:solidFill>
-                  <a:srgbClr val="40623D"/>
-                </a:solidFill>
-                <a:latin typeface="맑은 고딕" panose="020F0502020204030204"/>
-                <a:ea typeface="맑은 고딕" panose="020B0503020000020004" pitchFamily="50" charset="-127"/>
-              </a:rPr>
-              <a:t>핵심 기능</a:t>
-            </a:r>
-            <a:r>
-              <a:rPr lang="en-US" altLang="ko-KR" sz="2000" dirty="0">
-                <a:solidFill>
-                  <a:srgbClr val="40623D"/>
-                </a:solidFill>
-                <a:latin typeface="맑은 고딕" panose="020F0502020204030204"/>
-                <a:ea typeface="맑은 고딕" panose="020B0503020000020004" pitchFamily="50" charset="-127"/>
-              </a:rPr>
-              <a:t>:</a:t>
-            </a:r>
-          </a:p>
-          <a:p>
-            <a:pPr marL="914400" lvl="1" indent="-457200">
-              <a:buFont typeface="+mj-lt"/>
-              <a:buAutoNum type="arabicPeriod"/>
-            </a:pPr>
-            <a:r>
-              <a:rPr lang="ko-KR" altLang="en-US" sz="2000" b="1" dirty="0">
-                <a:solidFill>
-                  <a:srgbClr val="40623D"/>
-                </a:solidFill>
-                <a:latin typeface="맑은 고딕" panose="020F0502020204030204"/>
-                <a:ea typeface="맑은 고딕" panose="020B0503020000020004" pitchFamily="50" charset="-127"/>
-              </a:rPr>
-              <a:t>재료 관리</a:t>
-            </a:r>
-            <a:r>
-              <a:rPr lang="en-US" altLang="ko-KR" sz="2000" dirty="0">
-                <a:solidFill>
-                  <a:srgbClr val="40623D"/>
-                </a:solidFill>
-                <a:latin typeface="맑은 고딕" panose="020F0502020204030204"/>
-                <a:ea typeface="맑은 고딕" panose="020B0503020000020004" pitchFamily="50" charset="-127"/>
-              </a:rPr>
-              <a:t>: </a:t>
-            </a:r>
-            <a:r>
-              <a:rPr lang="ko-KR" altLang="en-US" sz="2000" dirty="0">
-                <a:solidFill>
-                  <a:srgbClr val="40623D"/>
-                </a:solidFill>
-                <a:latin typeface="맑은 고딕" panose="020F0502020204030204"/>
-                <a:ea typeface="맑은 고딕" panose="020B0503020000020004" pitchFamily="50" charset="-127"/>
-              </a:rPr>
-              <a:t>사용자의 냉장고에 있는 재료를 쉽게 입력하고</a:t>
-            </a:r>
-            <a:r>
-              <a:rPr lang="en-US" altLang="ko-KR" sz="2000" dirty="0">
-                <a:solidFill>
-                  <a:srgbClr val="40623D"/>
-                </a:solidFill>
-                <a:latin typeface="맑은 고딕" panose="020F0502020204030204"/>
-                <a:ea typeface="맑은 고딕" panose="020B0503020000020004" pitchFamily="50" charset="-127"/>
-              </a:rPr>
-              <a:t>, </a:t>
-            </a:r>
-            <a:r>
-              <a:rPr lang="ko-KR" altLang="en-US" sz="2000" dirty="0">
-                <a:solidFill>
-                  <a:srgbClr val="40623D"/>
-                </a:solidFill>
-                <a:latin typeface="맑은 고딕" panose="020F0502020204030204"/>
-                <a:ea typeface="맑은 고딕" panose="020B0503020000020004" pitchFamily="50" charset="-127"/>
-              </a:rPr>
-              <a:t>유통 기한을 추적하여 재료의 낭비를 방지합니다</a:t>
-            </a:r>
-            <a:r>
-              <a:rPr lang="en-US" altLang="ko-KR" sz="2000" dirty="0">
-                <a:solidFill>
-                  <a:srgbClr val="40623D"/>
-                </a:solidFill>
-                <a:latin typeface="맑은 고딕" panose="020F0502020204030204"/>
-                <a:ea typeface="맑은 고딕" panose="020B0503020000020004" pitchFamily="50" charset="-127"/>
-              </a:rPr>
-              <a:t>.</a:t>
-            </a:r>
-          </a:p>
-          <a:p>
-            <a:pPr marL="914400" lvl="1" indent="-457200">
-              <a:buFont typeface="+mj-lt"/>
-              <a:buAutoNum type="arabicPeriod"/>
-            </a:pPr>
-            <a:r>
-              <a:rPr lang="ko-KR" altLang="en-US" sz="2000" b="1" dirty="0">
-                <a:solidFill>
-                  <a:srgbClr val="40623D"/>
-                </a:solidFill>
-                <a:latin typeface="맑은 고딕" panose="020F0502020204030204"/>
-                <a:ea typeface="맑은 고딕" panose="020B0503020000020004" pitchFamily="50" charset="-127"/>
-              </a:rPr>
-              <a:t>맞춤 레시피 추천</a:t>
-            </a:r>
-            <a:r>
-              <a:rPr lang="en-US" altLang="ko-KR" sz="2000" dirty="0">
-                <a:solidFill>
-                  <a:srgbClr val="40623D"/>
-                </a:solidFill>
-                <a:latin typeface="맑은 고딕" panose="020F0502020204030204"/>
-                <a:ea typeface="맑은 고딕" panose="020B0503020000020004" pitchFamily="50" charset="-127"/>
-              </a:rPr>
-              <a:t>: </a:t>
-            </a:r>
-            <a:r>
-              <a:rPr lang="ko-KR" altLang="en-US" sz="2000" dirty="0">
-                <a:solidFill>
-                  <a:srgbClr val="40623D"/>
-                </a:solidFill>
-                <a:latin typeface="맑은 고딕" panose="020F0502020204030204"/>
-                <a:ea typeface="맑은 고딕" panose="020B0503020000020004" pitchFamily="50" charset="-127"/>
-              </a:rPr>
-              <a:t>사용자가 입력한 재료를 바탕으로</a:t>
-            </a:r>
-            <a:r>
-              <a:rPr lang="en-US" altLang="ko-KR" sz="2000" dirty="0">
-                <a:solidFill>
-                  <a:srgbClr val="40623D"/>
-                </a:solidFill>
-                <a:latin typeface="맑은 고딕" panose="020F0502020204030204"/>
-                <a:ea typeface="맑은 고딕" panose="020B0503020000020004" pitchFamily="50" charset="-127"/>
-              </a:rPr>
-              <a:t>, </a:t>
-            </a:r>
-            <a:r>
-              <a:rPr lang="ko-KR" altLang="en-US" sz="2000" dirty="0">
-                <a:solidFill>
-                  <a:srgbClr val="40623D"/>
-                </a:solidFill>
-                <a:latin typeface="맑은 고딕" panose="020F0502020204030204"/>
-                <a:ea typeface="맑은 고딕" panose="020B0503020000020004" pitchFamily="50" charset="-127"/>
-              </a:rPr>
-              <a:t>가능한 레시피를 제안하여 남은 재료를 최대한 활용할 수 있도록 </a:t>
-            </a:r>
-            <a:r>
-              <a:rPr lang="ko-KR" altLang="en-US" sz="2000" dirty="0" err="1">
-                <a:solidFill>
-                  <a:srgbClr val="40623D"/>
-                </a:solidFill>
-                <a:latin typeface="맑은 고딕" panose="020F0502020204030204"/>
-                <a:ea typeface="맑은 고딕" panose="020B0503020000020004" pitchFamily="50" charset="-127"/>
-              </a:rPr>
-              <a:t>돕습니다</a:t>
-            </a:r>
-            <a:r>
-              <a:rPr lang="en-US" altLang="ko-KR" sz="2000" dirty="0">
-                <a:solidFill>
-                  <a:srgbClr val="40623D"/>
-                </a:solidFill>
-                <a:latin typeface="맑은 고딕" panose="020F0502020204030204"/>
-                <a:ea typeface="맑은 고딕" panose="020B0503020000020004" pitchFamily="50" charset="-127"/>
-              </a:rPr>
-              <a:t>.</a:t>
-            </a:r>
-          </a:p>
-          <a:p>
-            <a:pPr marL="914400" lvl="1" indent="-457200">
-              <a:buFont typeface="+mj-lt"/>
-              <a:buAutoNum type="arabicPeriod"/>
-            </a:pPr>
-            <a:r>
-              <a:rPr lang="ko-KR" altLang="en-US" sz="2000" b="1" dirty="0">
-                <a:solidFill>
-                  <a:srgbClr val="40623D"/>
-                </a:solidFill>
-                <a:latin typeface="맑은 고딕" panose="020F0502020204030204"/>
-                <a:ea typeface="맑은 고딕" panose="020B0503020000020004" pitchFamily="50" charset="-127"/>
-              </a:rPr>
-              <a:t>재료 기반 쇼핑 리스트</a:t>
-            </a:r>
-            <a:r>
-              <a:rPr lang="en-US" altLang="ko-KR" sz="2000" dirty="0">
-                <a:solidFill>
-                  <a:srgbClr val="40623D"/>
-                </a:solidFill>
-                <a:latin typeface="맑은 고딕" panose="020F0502020204030204"/>
-                <a:ea typeface="맑은 고딕" panose="020B0503020000020004" pitchFamily="50" charset="-127"/>
-              </a:rPr>
-              <a:t>: </a:t>
-            </a:r>
-            <a:r>
-              <a:rPr lang="ko-KR" altLang="en-US" sz="2000" dirty="0">
-                <a:solidFill>
-                  <a:srgbClr val="40623D"/>
-                </a:solidFill>
-                <a:latin typeface="맑은 고딕" panose="020F0502020204030204"/>
-                <a:ea typeface="맑은 고딕" panose="020B0503020000020004" pitchFamily="50" charset="-127"/>
-              </a:rPr>
-              <a:t>선택한 레시피에 필요한 부족한 재료를 자동으로 파악하여 쇼핑 리스트를 제공</a:t>
-            </a:r>
-            <a:r>
-              <a:rPr lang="en-US" altLang="ko-KR" sz="2000" dirty="0">
-                <a:solidFill>
-                  <a:srgbClr val="40623D"/>
-                </a:solidFill>
-                <a:latin typeface="맑은 고딕" panose="020F0502020204030204"/>
-                <a:ea typeface="맑은 고딕" panose="020B0503020000020004" pitchFamily="50" charset="-127"/>
-              </a:rPr>
-              <a:t>, </a:t>
-            </a:r>
-            <a:r>
-              <a:rPr lang="ko-KR" altLang="en-US" sz="2000" dirty="0">
-                <a:solidFill>
-                  <a:srgbClr val="40623D"/>
-                </a:solidFill>
-                <a:latin typeface="맑은 고딕" panose="020F0502020204030204"/>
-                <a:ea typeface="맑은 고딕" panose="020B0503020000020004" pitchFamily="50" charset="-127"/>
-              </a:rPr>
-              <a:t>불필요한 구매 방지에 기여합니다</a:t>
-            </a:r>
-            <a:r>
-              <a:rPr lang="en-US" altLang="ko-KR" sz="2000" dirty="0">
-                <a:solidFill>
-                  <a:srgbClr val="40623D"/>
-                </a:solidFill>
-                <a:latin typeface="맑은 고딕" panose="020F0502020204030204"/>
-                <a:ea typeface="맑은 고딕" panose="020B0503020000020004" pitchFamily="50" charset="-127"/>
-              </a:rPr>
-              <a:t>.</a:t>
-            </a:r>
-          </a:p>
-        </p:txBody>
-      </p:sp>
     </p:spTree>
     <p:extLst>
       <p:ext uri="{BB962C8B-B14F-4D97-AF65-F5344CB8AC3E}">
@@ -26779,7 +26549,7 @@
                 <a14:useLocalDpi xmlns:a14="http://schemas.microsoft.com/office/drawing/2010/main" val="0"/>
               </a:ext>
               <a:ext uri="{96DAC541-7B7A-43D3-8B79-37D633B846F1}">
-                <asvg:svgBlip xmlns:asvg="http://schemas.microsoft.com/office/drawing/2016/SVG/main" r:embed="rId3"/>
+                <asvg:svgBlip xmlns:asvg="http://schemas.microsoft.com/office/drawing/2016/SVG/main" xmlns="" r:embed="rId3"/>
               </a:ext>
             </a:extLst>
           </a:blip>

--- a/수정/2조 요구사항 정의서, 유스케이스(최종).pptx
+++ b/수정/2조 요구사항 정의서, 유스케이스(최종).pptx
@@ -16964,7 +16964,7 @@
                 <a14:useLocalDpi xmlns:a14="http://schemas.microsoft.com/office/drawing/2010/main" val="0"/>
               </a:ext>
               <a:ext uri="{96DAC541-7B7A-43D3-8B79-37D633B846F1}">
-                <asvg:svgBlip xmlns:asvg="http://schemas.microsoft.com/office/drawing/2016/SVG/main" xmlns="" r:embed="rId3"/>
+                <asvg:svgBlip xmlns="" xmlns:asvg="http://schemas.microsoft.com/office/drawing/2016/SVG/main" r:embed="rId3"/>
               </a:ext>
             </a:extLst>
           </a:blip>
@@ -17748,7 +17748,7 @@
                 <a14:useLocalDpi xmlns:a14="http://schemas.microsoft.com/office/drawing/2010/main" val="0"/>
               </a:ext>
               <a:ext uri="{96DAC541-7B7A-43D3-8B79-37D633B846F1}">
-                <asvg:svgBlip xmlns:asvg="http://schemas.microsoft.com/office/drawing/2016/SVG/main" xmlns="" r:embed="rId3"/>
+                <asvg:svgBlip xmlns="" xmlns:asvg="http://schemas.microsoft.com/office/drawing/2016/SVG/main" r:embed="rId3"/>
               </a:ext>
             </a:extLst>
           </a:blip>
@@ -20733,14 +20733,14 @@
           <p:nvPr>
             <p:extLst>
               <p:ext uri="{D42A27DB-BD31-4B8C-83A1-F6EECF244321}">
-                <p14:modId xmlns:p14="http://schemas.microsoft.com/office/powerpoint/2010/main" val="229219183"/>
+                <p14:modId xmlns:p14="http://schemas.microsoft.com/office/powerpoint/2010/main" val="1173871637"/>
               </p:ext>
             </p:extLst>
           </p:nvPr>
         </p:nvGraphicFramePr>
         <p:xfrm>
-          <a:off x="1104313" y="1047606"/>
-          <a:ext cx="9960852" cy="5279303"/>
+          <a:off x="1115574" y="920606"/>
+          <a:ext cx="9960852" cy="5698862"/>
         </p:xfrm>
         <a:graphic>
           <a:graphicData uri="http://schemas.openxmlformats.org/drawingml/2006/table">
@@ -21089,7 +21089,7 @@
                   </a:ext>
                 </a:extLst>
               </a:tr>
-              <a:tr h="225161">
+              <a:tr h="252000">
                 <a:tc rowSpan="20">
                   <a:txBody>
                     <a:bodyPr/>
@@ -21216,7 +21216,7 @@
                     <a:p>
                       <a:pPr algn="ctr" rtl="0" fontAlgn="ctr"/>
                       <a:r>
-                        <a:rPr lang="ko-KR" altLang="en-US" sz="1000" b="1" i="0" u="none" strike="noStrike">
+                        <a:rPr lang="ko-KR" altLang="en-US" sz="1000" b="1" i="0" u="none" strike="noStrike" dirty="0">
                           <a:solidFill>
                             <a:srgbClr val="40623D"/>
                           </a:solidFill>
@@ -21389,7 +21389,7 @@
                   </a:ext>
                 </a:extLst>
               </a:tr>
-              <a:tr h="215780">
+              <a:tr h="252000">
                 <a:tc vMerge="1">
                   <a:txBody>
                     <a:bodyPr/>
@@ -21419,29 +21419,7 @@
                     <a:p>
                       <a:pPr algn="ctr" rtl="0" fontAlgn="ctr"/>
                       <a:r>
-                        <a:rPr lang="ko-KR" altLang="en-US" sz="1000" b="1" i="0" u="none" strike="noStrike">
-                          <a:solidFill>
-                            <a:srgbClr val="40623D"/>
-                          </a:solidFill>
-                          <a:effectLst/>
-                          <a:latin typeface="맑은 고딕" panose="020B0503020000020004" pitchFamily="50" charset="-127"/>
-                          <a:ea typeface="맑은 고딕" panose="020B0503020000020004" pitchFamily="50" charset="-127"/>
-                        </a:rPr>
-                        <a:t>아이디</a:t>
-                      </a:r>
-                      <a:r>
-                        <a:rPr lang="en-US" altLang="ko-KR" sz="1000" b="1" i="0" u="none" strike="noStrike">
-                          <a:solidFill>
-                            <a:srgbClr val="40623D"/>
-                          </a:solidFill>
-                          <a:effectLst/>
-                          <a:latin typeface="맑은 고딕" panose="020B0503020000020004" pitchFamily="50" charset="-127"/>
-                          <a:ea typeface="맑은 고딕" panose="020B0503020000020004" pitchFamily="50" charset="-127"/>
-                        </a:rPr>
-                        <a:t>/</a:t>
-                      </a:r>
-                      <a:r>
-                        <a:rPr lang="ko-KR" altLang="en-US" sz="1000" b="1" i="0" u="none" strike="noStrike">
+                        <a:rPr lang="ko-KR" altLang="en-US" sz="1000" b="1" i="0" u="none" strike="noStrike" dirty="0" smtClean="0">
                           <a:solidFill>
                             <a:srgbClr val="40623D"/>
                           </a:solidFill>
@@ -21451,6 +21429,14 @@
                         </a:rPr>
                         <a:t>비밀번호찾기</a:t>
                       </a:r>
+                      <a:endParaRPr lang="ko-KR" altLang="en-US" sz="1000" b="1" i="0" u="none" strike="noStrike" dirty="0">
+                        <a:solidFill>
+                          <a:srgbClr val="40623D"/>
+                        </a:solidFill>
+                        <a:effectLst/>
+                        <a:latin typeface="맑은 고딕" panose="020B0503020000020004" pitchFamily="50" charset="-127"/>
+                        <a:ea typeface="맑은 고딕" panose="020B0503020000020004" pitchFamily="50" charset="-127"/>
+                      </a:endParaRPr>
                     </a:p>
                   </a:txBody>
                   <a:tcPr marL="7767" marR="7767" marT="7767" marB="0" anchor="ctr">
@@ -21557,37 +21543,26 @@
                     <a:p>
                       <a:pPr algn="ctr" rtl="0" fontAlgn="ctr"/>
                       <a:r>
-                        <a:rPr lang="ko-KR" altLang="en-US" sz="1000" b="1" i="0" u="none" strike="noStrike">
-                          <a:solidFill>
-                            <a:srgbClr val="40623D"/>
-                          </a:solidFill>
-                          <a:effectLst/>
-                          <a:latin typeface="맑은 고딕" panose="020B0503020000020004" pitchFamily="50" charset="-127"/>
-                          <a:ea typeface="맑은 고딕" panose="020B0503020000020004" pitchFamily="50" charset="-127"/>
-                        </a:rPr>
-                        <a:t>아이디</a:t>
-                      </a:r>
-                      <a:r>
-                        <a:rPr lang="en-US" altLang="ko-KR" sz="1000" b="1" i="0" u="none" strike="noStrike">
-                          <a:solidFill>
-                            <a:srgbClr val="40623D"/>
-                          </a:solidFill>
-                          <a:effectLst/>
-                          <a:latin typeface="맑은 고딕" panose="020B0503020000020004" pitchFamily="50" charset="-127"/>
-                          <a:ea typeface="맑은 고딕" panose="020B0503020000020004" pitchFamily="50" charset="-127"/>
-                        </a:rPr>
-                        <a:t>/</a:t>
-                      </a:r>
-                      <a:r>
-                        <a:rPr lang="ko-KR" altLang="en-US" sz="1000" b="1" i="0" u="none" strike="noStrike">
-                          <a:solidFill>
-                            <a:srgbClr val="40623D"/>
-                          </a:solidFill>
-                          <a:effectLst/>
-                          <a:latin typeface="맑은 고딕" panose="020B0503020000020004" pitchFamily="50" charset="-127"/>
-                          <a:ea typeface="맑은 고딕" panose="020B0503020000020004" pitchFamily="50" charset="-127"/>
-                        </a:rPr>
-                        <a:t>비밀번호 찾기</a:t>
+                        <a:rPr lang="ko-KR" altLang="en-US" sz="1000" b="1" i="0" u="none" strike="noStrike" dirty="0" smtClean="0">
+                          <a:solidFill>
+                            <a:srgbClr val="40623D"/>
+                          </a:solidFill>
+                          <a:effectLst/>
+                          <a:latin typeface="맑은 고딕" panose="020B0503020000020004" pitchFamily="50" charset="-127"/>
+                          <a:ea typeface="맑은 고딕" panose="020B0503020000020004" pitchFamily="50" charset="-127"/>
+                        </a:rPr>
+                        <a:t>비밀번호 </a:t>
+                      </a:r>
+                      <a:r>
+                        <a:rPr lang="ko-KR" altLang="en-US" sz="1000" b="1" i="0" u="none" strike="noStrike" dirty="0">
+                          <a:solidFill>
+                            <a:srgbClr val="40623D"/>
+                          </a:solidFill>
+                          <a:effectLst/>
+                          <a:latin typeface="맑은 고딕" panose="020B0503020000020004" pitchFamily="50" charset="-127"/>
+                          <a:ea typeface="맑은 고딕" panose="020B0503020000020004" pitchFamily="50" charset="-127"/>
+                        </a:rPr>
+                        <a:t>찾기</a:t>
                       </a:r>
                     </a:p>
                   </a:txBody>
@@ -21636,7 +21611,7 @@
                   </a:ext>
                 </a:extLst>
               </a:tr>
-              <a:tr h="225161">
+              <a:tr h="252000">
                 <a:tc vMerge="1">
                   <a:txBody>
                     <a:bodyPr/>
@@ -21713,7 +21688,7 @@
                     <a:p>
                       <a:pPr algn="ctr" fontAlgn="ctr"/>
                       <a:r>
-                        <a:rPr lang="ko-KR" altLang="en-US" sz="1000" b="1" i="0" u="none" strike="noStrike">
+                        <a:rPr lang="ko-KR" altLang="en-US" sz="1000" b="1" i="0" u="none" strike="noStrike" dirty="0">
                           <a:solidFill>
                             <a:srgbClr val="40623D"/>
                           </a:solidFill>
@@ -21886,7 +21861,7 @@
                   </a:ext>
                 </a:extLst>
               </a:tr>
-              <a:tr h="215780">
+              <a:tr h="252000">
                 <a:tc vMerge="1">
                   <a:txBody>
                     <a:bodyPr/>
@@ -21898,7 +21873,7 @@
                   </a:txBody>
                   <a:tcPr/>
                 </a:tc>
-                <a:tc>
+                <a:tc rowSpan="2">
                   <a:txBody>
                     <a:bodyPr/>
                     <a:lstStyle/>
@@ -22021,7 +21996,7 @@
                     <a:p>
                       <a:pPr algn="ctr" rtl="0" fontAlgn="ctr"/>
                       <a:r>
-                        <a:rPr lang="ko-KR" altLang="en-US" sz="1000" b="1" i="0" u="none" strike="noStrike">
+                        <a:rPr lang="ko-KR" altLang="en-US" sz="1000" b="1" i="0" u="none" strike="noStrike" dirty="0">
                           <a:solidFill>
                             <a:srgbClr val="40623D"/>
                           </a:solidFill>
@@ -22032,7 +22007,7 @@
                         <a:t>언어</a:t>
                       </a:r>
                       <a:r>
-                        <a:rPr lang="en-US" altLang="ko-KR" sz="1000" b="1" i="0" u="none" strike="noStrike">
+                        <a:rPr lang="en-US" altLang="ko-KR" sz="1000" b="1" i="0" u="none" strike="noStrike" dirty="0">
                           <a:solidFill>
                             <a:srgbClr val="40623D"/>
                           </a:solidFill>
@@ -22043,7 +22018,7 @@
                         <a:t>, </a:t>
                       </a:r>
                       <a:r>
-                        <a:rPr lang="ko-KR" altLang="en-US" sz="1000" b="1" i="0" u="none" strike="noStrike">
+                        <a:rPr lang="ko-KR" altLang="en-US" sz="1000" b="1" i="0" u="none" strike="noStrike" dirty="0">
                           <a:solidFill>
                             <a:srgbClr val="40623D"/>
                           </a:solidFill>
@@ -22054,7 +22029,7 @@
                         <a:t>알림</a:t>
                       </a:r>
                       <a:r>
-                        <a:rPr lang="en-US" altLang="ko-KR" sz="1000" b="1" i="0" u="none" strike="noStrike">
+                        <a:rPr lang="en-US" altLang="ko-KR" sz="1000" b="1" i="0" u="none" strike="noStrike" dirty="0">
                           <a:solidFill>
                             <a:srgbClr val="40623D"/>
                           </a:solidFill>
@@ -22065,7 +22040,7 @@
                         <a:t>, </a:t>
                       </a:r>
                       <a:r>
-                        <a:rPr lang="ko-KR" altLang="en-US" sz="1000" b="1" i="0" u="none" strike="noStrike">
+                        <a:rPr lang="ko-KR" altLang="en-US" sz="1000" b="1" i="0" u="none" strike="noStrike" dirty="0">
                           <a:solidFill>
                             <a:srgbClr val="40623D"/>
                           </a:solidFill>
@@ -22123,7 +22098,7 @@
                     <a:p>
                       <a:pPr algn="ctr" rtl="0" fontAlgn="ctr"/>
                       <a:r>
-                        <a:rPr lang="ko-KR" altLang="en-US" sz="1000" b="1" i="0" u="none" strike="noStrike">
+                        <a:rPr lang="ko-KR" altLang="en-US" sz="1000" b="1" i="0" u="none" strike="noStrike" dirty="0">
                           <a:solidFill>
                             <a:srgbClr val="40623D"/>
                           </a:solidFill>
@@ -22180,7 +22155,273 @@
                   </a:ext>
                 </a:extLst>
               </a:tr>
-              <a:tr h="215780">
+              <a:tr h="252000">
+                <a:tc vMerge="1">
+                  <a:txBody>
+                    <a:bodyPr/>
+                    <a:lstStyle/>
+                    <a:p>
+                      <a:pPr latinLnBrk="1"/>
+                      <a:endParaRPr lang="ko-KR" altLang="en-US"/>
+                    </a:p>
+                  </a:txBody>
+                  <a:tcPr/>
+                </a:tc>
+                <a:tc vMerge="1">
+                  <a:txBody>
+                    <a:bodyPr/>
+                    <a:lstStyle/>
+                    <a:p>
+                      <a:pPr latinLnBrk="1"/>
+                      <a:endParaRPr lang="ko-KR" altLang="en-US"/>
+                    </a:p>
+                  </a:txBody>
+                  <a:tcPr/>
+                </a:tc>
+                <a:tc>
+                  <a:txBody>
+                    <a:bodyPr/>
+                    <a:lstStyle/>
+                    <a:p>
+                      <a:pPr algn="ctr" rtl="0" fontAlgn="ctr"/>
+                      <a:r>
+                        <a:rPr lang="ko-KR" altLang="en-US" sz="1000" b="1" i="0" u="none" strike="noStrike" dirty="0">
+                          <a:solidFill>
+                            <a:srgbClr val="40623D"/>
+                          </a:solidFill>
+                          <a:effectLst/>
+                          <a:latin typeface="맑은 고딕" panose="020B0503020000020004" pitchFamily="50" charset="-127"/>
+                          <a:ea typeface="맑은 고딕" panose="020B0503020000020004" pitchFamily="50" charset="-127"/>
+                        </a:rPr>
+                        <a:t>계정 설정</a:t>
+                      </a:r>
+                    </a:p>
+                  </a:txBody>
+                  <a:tcPr marL="7767" marR="7767" marT="7767" marB="0" anchor="ctr">
+                    <a:lnL w="12700" cap="flat" cmpd="sng" algn="ctr">
+                      <a:solidFill>
+                        <a:srgbClr val="40623D"/>
+                      </a:solidFill>
+                      <a:prstDash val="solid"/>
+                      <a:round/>
+                      <a:headEnd type="none" w="med" len="med"/>
+                      <a:tailEnd type="none" w="med" len="med"/>
+                    </a:lnL>
+                    <a:lnR w="12700" cap="flat" cmpd="sng" algn="ctr">
+                      <a:solidFill>
+                        <a:srgbClr val="40623D"/>
+                      </a:solidFill>
+                      <a:prstDash val="solid"/>
+                      <a:round/>
+                      <a:headEnd type="none" w="med" len="med"/>
+                      <a:tailEnd type="none" w="med" len="med"/>
+                    </a:lnR>
+                    <a:lnT w="12700" cap="flat" cmpd="sng" algn="ctr">
+                      <a:solidFill>
+                        <a:srgbClr val="40623D"/>
+                      </a:solidFill>
+                      <a:prstDash val="solid"/>
+                      <a:round/>
+                      <a:headEnd type="none" w="med" len="med"/>
+                      <a:tailEnd type="none" w="med" len="med"/>
+                    </a:lnT>
+                    <a:lnB w="12700" cap="flat" cmpd="sng" algn="ctr">
+                      <a:solidFill>
+                        <a:srgbClr val="40623D"/>
+                      </a:solidFill>
+                      <a:prstDash val="solid"/>
+                      <a:round/>
+                      <a:headEnd type="none" w="med" len="med"/>
+                      <a:tailEnd type="none" w="med" len="med"/>
+                    </a:lnB>
+                  </a:tcPr>
+                </a:tc>
+                <a:tc>
+                  <a:txBody>
+                    <a:bodyPr/>
+                    <a:lstStyle/>
+                    <a:p>
+                      <a:pPr algn="ctr" fontAlgn="t"/>
+                      <a:r>
+                        <a:rPr lang="ko-KR" altLang="en-US" sz="1000" b="1" i="0" u="none" strike="noStrike" dirty="0" smtClean="0">
+                          <a:solidFill>
+                            <a:srgbClr val="40623D"/>
+                          </a:solidFill>
+                          <a:effectLst/>
+                          <a:latin typeface="맑은 고딕" panose="020B0503020000020004" pitchFamily="50" charset="-127"/>
+                          <a:ea typeface="맑은 고딕" panose="020B0503020000020004" pitchFamily="50" charset="-127"/>
+                        </a:rPr>
+                        <a:t>이름</a:t>
+                      </a:r>
+                      <a:r>
+                        <a:rPr lang="en-US" altLang="ko-KR" sz="1000" b="1" i="0" u="none" strike="noStrike" dirty="0" smtClean="0">
+                          <a:solidFill>
+                            <a:srgbClr val="40623D"/>
+                          </a:solidFill>
+                          <a:effectLst/>
+                          <a:latin typeface="맑은 고딕" panose="020B0503020000020004" pitchFamily="50" charset="-127"/>
+                          <a:ea typeface="맑은 고딕" panose="020B0503020000020004" pitchFamily="50" charset="-127"/>
+                        </a:rPr>
+                        <a:t>, </a:t>
+                      </a:r>
+                      <a:r>
+                        <a:rPr lang="ko-KR" altLang="en-US" sz="1000" b="1" i="0" u="none" strike="noStrike" dirty="0" smtClean="0">
+                          <a:solidFill>
+                            <a:srgbClr val="40623D"/>
+                          </a:solidFill>
+                          <a:effectLst/>
+                          <a:latin typeface="맑은 고딕" panose="020B0503020000020004" pitchFamily="50" charset="-127"/>
+                          <a:ea typeface="맑은 고딕" panose="020B0503020000020004" pitchFamily="50" charset="-127"/>
+                        </a:rPr>
+                        <a:t>이메일</a:t>
+                      </a:r>
+                      <a:r>
+                        <a:rPr lang="en-US" altLang="ko-KR" sz="1000" b="1" i="0" u="none" strike="noStrike" dirty="0" smtClean="0">
+                          <a:solidFill>
+                            <a:srgbClr val="40623D"/>
+                          </a:solidFill>
+                          <a:effectLst/>
+                          <a:latin typeface="맑은 고딕" panose="020B0503020000020004" pitchFamily="50" charset="-127"/>
+                          <a:ea typeface="맑은 고딕" panose="020B0503020000020004" pitchFamily="50" charset="-127"/>
+                        </a:rPr>
+                        <a:t>, </a:t>
+                      </a:r>
+                      <a:r>
+                        <a:rPr lang="ko-KR" altLang="en-US" sz="1000" b="1" i="0" u="none" strike="noStrike" dirty="0" smtClean="0">
+                          <a:solidFill>
+                            <a:srgbClr val="40623D"/>
+                          </a:solidFill>
+                          <a:effectLst/>
+                          <a:latin typeface="맑은 고딕" panose="020B0503020000020004" pitchFamily="50" charset="-127"/>
+                          <a:ea typeface="맑은 고딕" panose="020B0503020000020004" pitchFamily="50" charset="-127"/>
+                        </a:rPr>
+                        <a:t>비밀번호 변경</a:t>
+                      </a:r>
+                      <a:endParaRPr lang="ko-KR" altLang="en-US" sz="1000" b="1" i="0" u="none" strike="noStrike" dirty="0">
+                        <a:solidFill>
+                          <a:srgbClr val="40623D"/>
+                        </a:solidFill>
+                        <a:effectLst/>
+                        <a:latin typeface="맑은 고딕" panose="020B0503020000020004" pitchFamily="50" charset="-127"/>
+                        <a:ea typeface="맑은 고딕" panose="020B0503020000020004" pitchFamily="50" charset="-127"/>
+                      </a:endParaRPr>
+                    </a:p>
+                  </a:txBody>
+                  <a:tcPr marL="7767" marR="7767" marT="7767" marB="0" anchor="ctr">
+                    <a:lnL w="12700" cap="flat" cmpd="sng" algn="ctr">
+                      <a:solidFill>
+                        <a:srgbClr val="40623D"/>
+                      </a:solidFill>
+                      <a:prstDash val="solid"/>
+                      <a:round/>
+                      <a:headEnd type="none" w="med" len="med"/>
+                      <a:tailEnd type="none" w="med" len="med"/>
+                    </a:lnL>
+                    <a:lnR w="12700" cap="flat" cmpd="sng" algn="ctr">
+                      <a:solidFill>
+                        <a:srgbClr val="40623D"/>
+                      </a:solidFill>
+                      <a:prstDash val="solid"/>
+                      <a:round/>
+                      <a:headEnd type="none" w="med" len="med"/>
+                      <a:tailEnd type="none" w="med" len="med"/>
+                    </a:lnR>
+                    <a:lnT w="12700" cap="flat" cmpd="sng" algn="ctr">
+                      <a:solidFill>
+                        <a:srgbClr val="40623D"/>
+                      </a:solidFill>
+                      <a:prstDash val="solid"/>
+                      <a:round/>
+                      <a:headEnd type="none" w="med" len="med"/>
+                      <a:tailEnd type="none" w="med" len="med"/>
+                    </a:lnT>
+                    <a:lnB w="12700" cap="flat" cmpd="sng" algn="ctr">
+                      <a:solidFill>
+                        <a:srgbClr val="40623D"/>
+                      </a:solidFill>
+                      <a:prstDash val="solid"/>
+                      <a:round/>
+                      <a:headEnd type="none" w="med" len="med"/>
+                      <a:tailEnd type="none" w="med" len="med"/>
+                    </a:lnB>
+                  </a:tcPr>
+                </a:tc>
+                <a:tc>
+                  <a:txBody>
+                    <a:bodyPr/>
+                    <a:lstStyle/>
+                    <a:p>
+                      <a:pPr algn="ctr" rtl="0" fontAlgn="ctr"/>
+                      <a:r>
+                        <a:rPr lang="ko-KR" altLang="en-US" sz="1000" b="1" i="0" u="none" strike="noStrike" dirty="0" err="1">
+                          <a:solidFill>
+                            <a:srgbClr val="40623D"/>
+                          </a:solidFill>
+                          <a:effectLst/>
+                          <a:latin typeface="맑은 고딕" panose="020B0503020000020004" pitchFamily="50" charset="-127"/>
+                          <a:ea typeface="맑은 고딕" panose="020B0503020000020004" pitchFamily="50" charset="-127"/>
+                        </a:rPr>
+                        <a:t>민감정보</a:t>
+                      </a:r>
+                      <a:r>
+                        <a:rPr lang="ko-KR" altLang="en-US" sz="1000" b="1" i="0" u="none" strike="noStrike" dirty="0">
+                          <a:solidFill>
+                            <a:srgbClr val="40623D"/>
+                          </a:solidFill>
+                          <a:effectLst/>
+                          <a:latin typeface="맑은 고딕" panose="020B0503020000020004" pitchFamily="50" charset="-127"/>
+                          <a:ea typeface="맑은 고딕" panose="020B0503020000020004" pitchFamily="50" charset="-127"/>
+                        </a:rPr>
+                        <a:t> 설정</a:t>
+                      </a:r>
+                    </a:p>
+                  </a:txBody>
+                  <a:tcPr marL="7767" marR="7767" marT="7767" marB="0" anchor="ctr">
+                    <a:lnL w="12700" cap="flat" cmpd="sng" algn="ctr">
+                      <a:solidFill>
+                        <a:srgbClr val="40623D"/>
+                      </a:solidFill>
+                      <a:prstDash val="solid"/>
+                      <a:round/>
+                      <a:headEnd type="none" w="med" len="med"/>
+                      <a:tailEnd type="none" w="med" len="med"/>
+                    </a:lnL>
+                    <a:lnR w="12700" cap="flat" cmpd="sng" algn="ctr">
+                      <a:solidFill>
+                        <a:srgbClr val="40623D"/>
+                      </a:solidFill>
+                      <a:prstDash val="solid"/>
+                      <a:round/>
+                      <a:headEnd type="none" w="med" len="med"/>
+                      <a:tailEnd type="none" w="med" len="med"/>
+                    </a:lnR>
+                    <a:lnT w="12700" cap="flat" cmpd="sng" algn="ctr">
+                      <a:solidFill>
+                        <a:srgbClr val="40623D"/>
+                      </a:solidFill>
+                      <a:prstDash val="solid"/>
+                      <a:round/>
+                      <a:headEnd type="none" w="med" len="med"/>
+                      <a:tailEnd type="none" w="med" len="med"/>
+                    </a:lnT>
+                    <a:lnB w="12700" cap="flat" cmpd="sng" algn="ctr">
+                      <a:solidFill>
+                        <a:srgbClr val="40623D"/>
+                      </a:solidFill>
+                      <a:prstDash val="solid"/>
+                      <a:round/>
+                      <a:headEnd type="none" w="med" len="med"/>
+                      <a:tailEnd type="none" w="med" len="med"/>
+                    </a:lnB>
+                  </a:tcPr>
+                </a:tc>
+                <a:extLst>
+                  <a:ext uri="{0D108BD9-81ED-4DB2-BD59-A6C34878D82A}">
+                    <a16:rowId xmlns:a16="http://schemas.microsoft.com/office/drawing/2014/main" val="57379972"/>
+                  </a:ext>
+                </a:extLst>
+              </a:tr>
+              <a:tr h="252000">
                 <a:tc vMerge="1">
                   <a:txBody>
                     <a:bodyPr/>
@@ -22315,7 +22556,7 @@
                     <a:p>
                       <a:pPr algn="ctr" rtl="0" fontAlgn="ctr"/>
                       <a:r>
-                        <a:rPr lang="ko-KR" altLang="en-US" sz="1000" b="1" i="0" u="none" strike="noStrike">
+                        <a:rPr lang="ko-KR" altLang="en-US" sz="1000" b="1" i="0" u="none" strike="noStrike" dirty="0">
                           <a:solidFill>
                             <a:srgbClr val="40623D"/>
                           </a:solidFill>
@@ -22430,7 +22671,7 @@
                   </a:ext>
                 </a:extLst>
               </a:tr>
-              <a:tr h="377526">
+              <a:tr h="252000">
                 <a:tc vMerge="1">
                   <a:txBody>
                     <a:bodyPr/>
@@ -22598,7 +22839,7 @@
                     <a:p>
                       <a:pPr algn="ctr" rtl="0" fontAlgn="ctr"/>
                       <a:r>
-                        <a:rPr lang="ko-KR" altLang="en-US" sz="1000" b="1" i="0" u="none" strike="noStrike">
+                        <a:rPr lang="ko-KR" altLang="en-US" sz="1000" b="1" i="0" u="none" strike="noStrike" dirty="0">
                           <a:solidFill>
                             <a:srgbClr val="40623D"/>
                           </a:solidFill>
@@ -22655,7 +22896,7 @@
                   </a:ext>
                 </a:extLst>
               </a:tr>
-              <a:tr h="225161">
+              <a:tr h="252000">
                 <a:tc vMerge="1">
                   <a:txBody>
                     <a:bodyPr/>
@@ -22685,7 +22926,7 @@
                     <a:p>
                       <a:pPr algn="ctr" fontAlgn="ctr"/>
                       <a:r>
-                        <a:rPr lang="ko-KR" altLang="en-US" sz="1000" b="1" i="0" u="none" strike="noStrike">
+                        <a:rPr lang="ko-KR" altLang="en-US" sz="1000" b="1" i="0" u="none" strike="noStrike" dirty="0">
                           <a:solidFill>
                             <a:srgbClr val="40623D"/>
                           </a:solidFill>
@@ -22755,7 +22996,7 @@
                       </a:r>
                     </a:p>
                   </a:txBody>
-                  <a:tcPr marL="7767" marR="7767" marT="7767" marB="0">
+                  <a:tcPr marL="7767" marR="7767" marT="7767" marB="0" anchor="ctr">
                     <a:lnL w="12700" cap="flat" cmpd="sng" algn="ctr">
                       <a:solidFill>
                         <a:srgbClr val="40623D"/>
@@ -22858,7 +23099,7 @@
                   </a:ext>
                 </a:extLst>
               </a:tr>
-              <a:tr h="377526">
+              <a:tr h="252000">
                 <a:tc vMerge="1">
                   <a:txBody>
                     <a:bodyPr/>
@@ -22935,7 +23176,7 @@
                     <a:p>
                       <a:pPr algn="ctr" fontAlgn="ctr"/>
                       <a:r>
-                        <a:rPr lang="ko-KR" altLang="en-US" sz="1000" b="1" i="0" u="none" strike="noStrike">
+                        <a:rPr lang="ko-KR" altLang="en-US" sz="1000" b="1" i="0" u="none" strike="noStrike" dirty="0">
                           <a:solidFill>
                             <a:srgbClr val="40623D"/>
                           </a:solidFill>
@@ -23027,7 +23268,7 @@
                       </a:r>
                     </a:p>
                   </a:txBody>
-                  <a:tcPr marL="7767" marR="7767" marT="7767" marB="0">
+                  <a:tcPr marL="7767" marR="7767" marT="7767" marB="0" anchor="ctr">
                     <a:lnL w="12700" cap="flat" cmpd="sng" algn="ctr">
                       <a:solidFill>
                         <a:srgbClr val="40623D"/>
@@ -23173,7 +23414,7 @@
                   </a:ext>
                 </a:extLst>
               </a:tr>
-              <a:tr h="377526">
+              <a:tr h="252000">
                 <a:tc vMerge="1">
                   <a:txBody>
                     <a:bodyPr/>
@@ -23338,7 +23579,7 @@
                       </a:r>
                     </a:p>
                   </a:txBody>
-                  <a:tcPr marL="7767" marR="7767" marT="7767" marB="0">
+                  <a:tcPr marL="7767" marR="7767" marT="7767" marB="0" anchor="ctr">
                     <a:lnL w="12700" cap="flat" cmpd="sng" algn="ctr">
                       <a:solidFill>
                         <a:srgbClr val="40623D"/>
@@ -23441,7 +23682,7 @@
                   </a:ext>
                 </a:extLst>
               </a:tr>
-              <a:tr h="215780">
+              <a:tr h="252000">
                 <a:tc vMerge="1">
                   <a:txBody>
                     <a:bodyPr/>
@@ -23518,7 +23759,7 @@
                     <a:p>
                       <a:pPr algn="ctr" rtl="0" fontAlgn="ctr"/>
                       <a:r>
-                        <a:rPr lang="ko-KR" altLang="en-US" sz="1000" b="1" i="0" u="none" strike="noStrike">
+                        <a:rPr lang="ko-KR" altLang="en-US" sz="1000" b="1" i="0" u="none" strike="noStrike" dirty="0">
                           <a:solidFill>
                             <a:srgbClr val="40623D"/>
                           </a:solidFill>
@@ -23691,7 +23932,7 @@
                   </a:ext>
                 </a:extLst>
               </a:tr>
-              <a:tr h="215780">
+              <a:tr h="252000">
                 <a:tc vMerge="1">
                   <a:txBody>
                     <a:bodyPr/>
@@ -23703,14 +23944,14 @@
                   </a:txBody>
                   <a:tcPr/>
                 </a:tc>
-                <a:tc rowSpan="5">
+                <a:tc rowSpan="4">
                   <a:txBody>
                     <a:bodyPr/>
                     <a:lstStyle/>
                     <a:p>
                       <a:pPr algn="ctr" rtl="0" fontAlgn="ctr"/>
                       <a:r>
-                        <a:rPr lang="ko-KR" altLang="en-US" sz="1000" b="1" i="0" u="none" strike="noStrike">
+                        <a:rPr lang="ko-KR" altLang="en-US" sz="1000" b="1" i="0" u="none" strike="noStrike" dirty="0" err="1">
                           <a:solidFill>
                             <a:srgbClr val="40623D"/>
                           </a:solidFill>
@@ -23720,6 +23961,14 @@
                         </a:rPr>
                         <a:t>마이페이지</a:t>
                       </a:r>
+                      <a:endParaRPr lang="ko-KR" altLang="en-US" sz="1000" b="1" i="0" u="none" strike="noStrike" dirty="0">
+                        <a:solidFill>
+                          <a:srgbClr val="40623D"/>
+                        </a:solidFill>
+                        <a:effectLst/>
+                        <a:latin typeface="맑은 고딕" panose="020B0503020000020004" pitchFamily="50" charset="-127"/>
+                        <a:ea typeface="맑은 고딕" panose="020B0503020000020004" pitchFamily="50" charset="-127"/>
+                      </a:endParaRPr>
                     </a:p>
                   </a:txBody>
                   <a:tcPr marL="7767" marR="7767" marT="7767" marB="0" anchor="ctr">
@@ -23768,7 +24017,7 @@
                     <a:p>
                       <a:pPr algn="ctr" rtl="0" fontAlgn="ctr"/>
                       <a:r>
-                        <a:rPr lang="ko-KR" altLang="en-US" sz="1000" b="1" i="0" u="none" strike="noStrike">
+                        <a:rPr lang="ko-KR" altLang="en-US" sz="1000" b="1" i="0" u="none" strike="noStrike" dirty="0">
                           <a:solidFill>
                             <a:srgbClr val="40623D"/>
                           </a:solidFill>
@@ -23826,7 +24075,7 @@
                     <a:p>
                       <a:pPr algn="ctr" fontAlgn="t"/>
                       <a:r>
-                        <a:rPr lang="ko-KR" altLang="en-US" sz="1000" b="1" i="0" u="none" strike="noStrike">
+                        <a:rPr lang="ko-KR" altLang="en-US" sz="1000" b="1" i="0" u="none" strike="noStrike" dirty="0" smtClean="0">
                           <a:solidFill>
                             <a:srgbClr val="40623D"/>
                           </a:solidFill>
@@ -23837,7 +24086,7 @@
                         <a:t>닉네임</a:t>
                       </a:r>
                       <a:r>
-                        <a:rPr lang="en-US" altLang="ko-KR" sz="1000" b="1" i="0" u="none" strike="noStrike">
+                        <a:rPr lang="en-US" altLang="ko-KR" sz="1000" b="1" i="0" u="none" strike="noStrike" dirty="0">
                           <a:solidFill>
                             <a:srgbClr val="40623D"/>
                           </a:solidFill>
@@ -23848,7 +24097,7 @@
                         <a:t>, </a:t>
                       </a:r>
                       <a:r>
-                        <a:rPr lang="ko-KR" altLang="en-US" sz="1000" b="1" i="0" u="none" strike="noStrike">
+                        <a:rPr lang="ko-KR" altLang="en-US" sz="1000" b="1" i="0" u="none" strike="noStrike" dirty="0">
                           <a:solidFill>
                             <a:srgbClr val="40623D"/>
                           </a:solidFill>
@@ -23859,7 +24108,7 @@
                         <a:t>이메일</a:t>
                       </a:r>
                       <a:r>
-                        <a:rPr lang="en-US" altLang="ko-KR" sz="1000" b="1" i="0" u="none" strike="noStrike">
+                        <a:rPr lang="en-US" altLang="ko-KR" sz="1000" b="1" i="0" u="none" strike="noStrike" dirty="0">
                           <a:solidFill>
                             <a:srgbClr val="40623D"/>
                           </a:solidFill>
@@ -23870,7 +24119,7 @@
                         <a:t>, </a:t>
                       </a:r>
                       <a:r>
-                        <a:rPr lang="ko-KR" altLang="en-US" sz="1000" b="1" i="0" u="none" strike="noStrike">
+                        <a:rPr lang="ko-KR" altLang="en-US" sz="1000" b="1" i="0" u="none" strike="noStrike" dirty="0">
                           <a:solidFill>
                             <a:srgbClr val="40623D"/>
                           </a:solidFill>
@@ -23882,7 +24131,7 @@
                       </a:r>
                     </a:p>
                   </a:txBody>
-                  <a:tcPr marL="7767" marR="7767" marT="7767" marB="0">
+                  <a:tcPr marL="7767" marR="7767" marT="7767" marB="0" anchor="ctr">
                     <a:lnL w="12700" cap="flat" cmpd="sng" algn="ctr">
                       <a:solidFill>
                         <a:srgbClr val="40623D"/>
@@ -23928,15 +24177,26 @@
                     <a:p>
                       <a:pPr algn="ctr" rtl="0" fontAlgn="ctr"/>
                       <a:r>
-                        <a:rPr lang="ko-KR" altLang="en-US" sz="1000" b="1" i="0" u="none" strike="noStrike">
-                          <a:solidFill>
-                            <a:srgbClr val="40623D"/>
-                          </a:solidFill>
-                          <a:effectLst/>
-                          <a:latin typeface="맑은 고딕" panose="020B0503020000020004" pitchFamily="50" charset="-127"/>
-                          <a:ea typeface="맑은 고딕" panose="020B0503020000020004" pitchFamily="50" charset="-127"/>
-                        </a:rPr>
-                        <a:t>공개정보 설정</a:t>
+                        <a:rPr lang="ko-KR" altLang="en-US" sz="1000" b="1" i="0" u="none" strike="noStrike" dirty="0" err="1">
+                          <a:solidFill>
+                            <a:srgbClr val="40623D"/>
+                          </a:solidFill>
+                          <a:effectLst/>
+                          <a:latin typeface="맑은 고딕" panose="020B0503020000020004" pitchFamily="50" charset="-127"/>
+                          <a:ea typeface="맑은 고딕" panose="020B0503020000020004" pitchFamily="50" charset="-127"/>
+                        </a:rPr>
+                        <a:t>공개정보</a:t>
+                      </a:r>
+                      <a:r>
+                        <a:rPr lang="ko-KR" altLang="en-US" sz="1000" b="1" i="0" u="none" strike="noStrike" dirty="0">
+                          <a:solidFill>
+                            <a:srgbClr val="40623D"/>
+                          </a:solidFill>
+                          <a:effectLst/>
+                          <a:latin typeface="맑은 고딕" panose="020B0503020000020004" pitchFamily="50" charset="-127"/>
+                          <a:ea typeface="맑은 고딕" panose="020B0503020000020004" pitchFamily="50" charset="-127"/>
+                        </a:rPr>
+                        <a:t> 설정</a:t>
                       </a:r>
                     </a:p>
                   </a:txBody>
@@ -23985,7 +24245,7 @@
                   </a:ext>
                 </a:extLst>
               </a:tr>
-              <a:tr h="215780">
+              <a:tr h="252000">
                 <a:tc vMerge="1">
                   <a:txBody>
                     <a:bodyPr/>
@@ -24015,15 +24275,15 @@
                     <a:p>
                       <a:pPr algn="ctr" rtl="0" fontAlgn="ctr"/>
                       <a:r>
-                        <a:rPr lang="ko-KR" altLang="en-US" sz="1000" b="1" i="0" u="none" strike="noStrike">
-                          <a:solidFill>
-                            <a:srgbClr val="40623D"/>
-                          </a:solidFill>
-                          <a:effectLst/>
-                          <a:latin typeface="맑은 고딕" panose="020B0503020000020004" pitchFamily="50" charset="-127"/>
-                          <a:ea typeface="맑은 고딕" panose="020B0503020000020004" pitchFamily="50" charset="-127"/>
-                        </a:rPr>
-                        <a:t>계정 설정</a:t>
+                        <a:rPr lang="ko-KR" altLang="en-US" sz="1000" b="1" i="0" u="none" strike="noStrike" dirty="0">
+                          <a:solidFill>
+                            <a:srgbClr val="40623D"/>
+                          </a:solidFill>
+                          <a:effectLst/>
+                          <a:latin typeface="맑은 고딕" panose="020B0503020000020004" pitchFamily="50" charset="-127"/>
+                          <a:ea typeface="맑은 고딕" panose="020B0503020000020004" pitchFamily="50" charset="-127"/>
+                        </a:rPr>
+                        <a:t>최근 본 레시피</a:t>
                       </a:r>
                     </a:p>
                   </a:txBody>
@@ -24081,258 +24341,11 @@
                           <a:latin typeface="맑은 고딕" panose="020B0503020000020004" pitchFamily="50" charset="-127"/>
                           <a:ea typeface="맑은 고딕" panose="020B0503020000020004" pitchFamily="50" charset="-127"/>
                         </a:rPr>
-                        <a:t>비밀번호 변경</a:t>
-                      </a:r>
-                      <a:r>
-                        <a:rPr lang="en-US" altLang="ko-KR" sz="1000" b="1" i="0" u="none" strike="noStrike" dirty="0">
-                          <a:solidFill>
-                            <a:srgbClr val="40623D"/>
-                          </a:solidFill>
-                          <a:effectLst/>
-                          <a:latin typeface="맑은 고딕" panose="020B0503020000020004" pitchFamily="50" charset="-127"/>
-                          <a:ea typeface="맑은 고딕" panose="020B0503020000020004" pitchFamily="50" charset="-127"/>
-                        </a:rPr>
-                        <a:t>, </a:t>
-                      </a:r>
-                      <a:r>
-                        <a:rPr lang="ko-KR" altLang="en-US" sz="1000" b="1" i="0" u="none" strike="noStrike" dirty="0">
-                          <a:solidFill>
-                            <a:srgbClr val="40623D"/>
-                          </a:solidFill>
-                          <a:effectLst/>
-                          <a:latin typeface="맑은 고딕" panose="020B0503020000020004" pitchFamily="50" charset="-127"/>
-                          <a:ea typeface="맑은 고딕" panose="020B0503020000020004" pitchFamily="50" charset="-127"/>
-                        </a:rPr>
-                        <a:t>전화번호</a:t>
-                      </a:r>
-                      <a:r>
-                        <a:rPr lang="en-US" altLang="ko-KR" sz="1000" b="1" i="0" u="none" strike="noStrike" dirty="0">
-                          <a:solidFill>
-                            <a:srgbClr val="40623D"/>
-                          </a:solidFill>
-                          <a:effectLst/>
-                          <a:latin typeface="맑은 고딕" panose="020B0503020000020004" pitchFamily="50" charset="-127"/>
-                          <a:ea typeface="맑은 고딕" panose="020B0503020000020004" pitchFamily="50" charset="-127"/>
-                        </a:rPr>
-                        <a:t>, </a:t>
-                      </a:r>
-                      <a:r>
-                        <a:rPr lang="ko-KR" altLang="en-US" sz="1000" b="1" i="0" u="none" strike="noStrike" dirty="0">
-                          <a:solidFill>
-                            <a:srgbClr val="40623D"/>
-                          </a:solidFill>
-                          <a:effectLst/>
-                          <a:latin typeface="맑은 고딕" panose="020B0503020000020004" pitchFamily="50" charset="-127"/>
-                          <a:ea typeface="맑은 고딕" panose="020B0503020000020004" pitchFamily="50" charset="-127"/>
-                        </a:rPr>
-                        <a:t>주소</a:t>
-                      </a:r>
-                    </a:p>
-                  </a:txBody>
-                  <a:tcPr marL="7767" marR="7767" marT="7767" marB="0">
-                    <a:lnL w="12700" cap="flat" cmpd="sng" algn="ctr">
-                      <a:solidFill>
-                        <a:srgbClr val="40623D"/>
-                      </a:solidFill>
-                      <a:prstDash val="solid"/>
-                      <a:round/>
-                      <a:headEnd type="none" w="med" len="med"/>
-                      <a:tailEnd type="none" w="med" len="med"/>
-                    </a:lnL>
-                    <a:lnR w="12700" cap="flat" cmpd="sng" algn="ctr">
-                      <a:solidFill>
-                        <a:srgbClr val="40623D"/>
-                      </a:solidFill>
-                      <a:prstDash val="solid"/>
-                      <a:round/>
-                      <a:headEnd type="none" w="med" len="med"/>
-                      <a:tailEnd type="none" w="med" len="med"/>
-                    </a:lnR>
-                    <a:lnT w="12700" cap="flat" cmpd="sng" algn="ctr">
-                      <a:solidFill>
-                        <a:srgbClr val="40623D"/>
-                      </a:solidFill>
-                      <a:prstDash val="solid"/>
-                      <a:round/>
-                      <a:headEnd type="none" w="med" len="med"/>
-                      <a:tailEnd type="none" w="med" len="med"/>
-                    </a:lnT>
-                    <a:lnB w="12700" cap="flat" cmpd="sng" algn="ctr">
-                      <a:solidFill>
-                        <a:srgbClr val="40623D"/>
-                      </a:solidFill>
-                      <a:prstDash val="solid"/>
-                      <a:round/>
-                      <a:headEnd type="none" w="med" len="med"/>
-                      <a:tailEnd type="none" w="med" len="med"/>
-                    </a:lnB>
-                  </a:tcPr>
-                </a:tc>
-                <a:tc>
-                  <a:txBody>
-                    <a:bodyPr/>
-                    <a:lstStyle/>
-                    <a:p>
-                      <a:pPr algn="ctr" rtl="0" fontAlgn="ctr"/>
-                      <a:r>
-                        <a:rPr lang="ko-KR" altLang="en-US" sz="1000" b="1" i="0" u="none" strike="noStrike">
-                          <a:solidFill>
-                            <a:srgbClr val="40623D"/>
-                          </a:solidFill>
-                          <a:effectLst/>
-                          <a:latin typeface="맑은 고딕" panose="020B0503020000020004" pitchFamily="50" charset="-127"/>
-                          <a:ea typeface="맑은 고딕" panose="020B0503020000020004" pitchFamily="50" charset="-127"/>
-                        </a:rPr>
-                        <a:t>민감정보 설정</a:t>
+                        <a:t>　</a:t>
                       </a:r>
                     </a:p>
                   </a:txBody>
                   <a:tcPr marL="7767" marR="7767" marT="7767" marB="0" anchor="ctr">
-                    <a:lnL w="12700" cap="flat" cmpd="sng" algn="ctr">
-                      <a:solidFill>
-                        <a:srgbClr val="40623D"/>
-                      </a:solidFill>
-                      <a:prstDash val="solid"/>
-                      <a:round/>
-                      <a:headEnd type="none" w="med" len="med"/>
-                      <a:tailEnd type="none" w="med" len="med"/>
-                    </a:lnL>
-                    <a:lnR w="12700" cap="flat" cmpd="sng" algn="ctr">
-                      <a:solidFill>
-                        <a:srgbClr val="40623D"/>
-                      </a:solidFill>
-                      <a:prstDash val="solid"/>
-                      <a:round/>
-                      <a:headEnd type="none" w="med" len="med"/>
-                      <a:tailEnd type="none" w="med" len="med"/>
-                    </a:lnR>
-                    <a:lnT w="12700" cap="flat" cmpd="sng" algn="ctr">
-                      <a:solidFill>
-                        <a:srgbClr val="40623D"/>
-                      </a:solidFill>
-                      <a:prstDash val="solid"/>
-                      <a:round/>
-                      <a:headEnd type="none" w="med" len="med"/>
-                      <a:tailEnd type="none" w="med" len="med"/>
-                    </a:lnT>
-                    <a:lnB w="12700" cap="flat" cmpd="sng" algn="ctr">
-                      <a:solidFill>
-                        <a:srgbClr val="40623D"/>
-                      </a:solidFill>
-                      <a:prstDash val="solid"/>
-                      <a:round/>
-                      <a:headEnd type="none" w="med" len="med"/>
-                      <a:tailEnd type="none" w="med" len="med"/>
-                    </a:lnB>
-                  </a:tcPr>
-                </a:tc>
-                <a:extLst>
-                  <a:ext uri="{0D108BD9-81ED-4DB2-BD59-A6C34878D82A}">
-                    <a16:rowId xmlns:a16="http://schemas.microsoft.com/office/drawing/2014/main" val="4176896760"/>
-                  </a:ext>
-                </a:extLst>
-              </a:tr>
-              <a:tr h="215780">
-                <a:tc vMerge="1">
-                  <a:txBody>
-                    <a:bodyPr/>
-                    <a:lstStyle/>
-                    <a:p>
-                      <a:pPr latinLnBrk="1"/>
-                      <a:endParaRPr lang="ko-KR" altLang="en-US"/>
-                    </a:p>
-                  </a:txBody>
-                  <a:tcPr/>
-                </a:tc>
-                <a:tc vMerge="1">
-                  <a:txBody>
-                    <a:bodyPr/>
-                    <a:lstStyle/>
-                    <a:p>
-                      <a:pPr latinLnBrk="1"/>
-                      <a:endParaRPr lang="ko-KR" altLang="en-US"/>
-                    </a:p>
-                  </a:txBody>
-                  <a:tcPr/>
-                </a:tc>
-                <a:tc>
-                  <a:txBody>
-                    <a:bodyPr/>
-                    <a:lstStyle/>
-                    <a:p>
-                      <a:pPr algn="ctr" rtl="0" fontAlgn="ctr"/>
-                      <a:r>
-                        <a:rPr lang="ko-KR" altLang="en-US" sz="1000" b="1" i="0" u="none" strike="noStrike">
-                          <a:solidFill>
-                            <a:srgbClr val="40623D"/>
-                          </a:solidFill>
-                          <a:effectLst/>
-                          <a:latin typeface="맑은 고딕" panose="020B0503020000020004" pitchFamily="50" charset="-127"/>
-                          <a:ea typeface="맑은 고딕" panose="020B0503020000020004" pitchFamily="50" charset="-127"/>
-                        </a:rPr>
-                        <a:t>최근 본 레시피</a:t>
-                      </a:r>
-                    </a:p>
-                  </a:txBody>
-                  <a:tcPr marL="7767" marR="7767" marT="7767" marB="0" anchor="ctr">
-                    <a:lnL w="12700" cap="flat" cmpd="sng" algn="ctr">
-                      <a:solidFill>
-                        <a:srgbClr val="40623D"/>
-                      </a:solidFill>
-                      <a:prstDash val="solid"/>
-                      <a:round/>
-                      <a:headEnd type="none" w="med" len="med"/>
-                      <a:tailEnd type="none" w="med" len="med"/>
-                    </a:lnL>
-                    <a:lnR w="12700" cap="flat" cmpd="sng" algn="ctr">
-                      <a:solidFill>
-                        <a:srgbClr val="40623D"/>
-                      </a:solidFill>
-                      <a:prstDash val="solid"/>
-                      <a:round/>
-                      <a:headEnd type="none" w="med" len="med"/>
-                      <a:tailEnd type="none" w="med" len="med"/>
-                    </a:lnR>
-                    <a:lnT w="12700" cap="flat" cmpd="sng" algn="ctr">
-                      <a:solidFill>
-                        <a:srgbClr val="40623D"/>
-                      </a:solidFill>
-                      <a:prstDash val="solid"/>
-                      <a:round/>
-                      <a:headEnd type="none" w="med" len="med"/>
-                      <a:tailEnd type="none" w="med" len="med"/>
-                    </a:lnT>
-                    <a:lnB w="12700" cap="flat" cmpd="sng" algn="ctr">
-                      <a:solidFill>
-                        <a:srgbClr val="40623D"/>
-                      </a:solidFill>
-                      <a:prstDash val="solid"/>
-                      <a:round/>
-                      <a:headEnd type="none" w="med" len="med"/>
-                      <a:tailEnd type="none" w="med" len="med"/>
-                    </a:lnB>
-                  </a:tcPr>
-                </a:tc>
-                <a:tc>
-                  <a:txBody>
-                    <a:bodyPr/>
-                    <a:lstStyle/>
-                    <a:p>
-                      <a:pPr algn="ctr" fontAlgn="t"/>
-                      <a:r>
-                        <a:rPr lang="ko-KR" altLang="en-US" sz="1000" b="1" i="0" u="none" strike="noStrike" dirty="0">
-                          <a:solidFill>
-                            <a:srgbClr val="40623D"/>
-                          </a:solidFill>
-                          <a:effectLst/>
-                          <a:latin typeface="맑은 고딕" panose="020B0503020000020004" pitchFamily="50" charset="-127"/>
-                          <a:ea typeface="맑은 고딕" panose="020B0503020000020004" pitchFamily="50" charset="-127"/>
-                        </a:rPr>
-                        <a:t>　</a:t>
-                      </a:r>
-                    </a:p>
-                  </a:txBody>
-                  <a:tcPr marL="7767" marR="7767" marT="7767" marB="0">
                     <a:lnL w="12700" cap="flat" cmpd="sng" algn="ctr">
                       <a:solidFill>
                         <a:srgbClr val="40623D"/>
@@ -24435,7 +24448,7 @@
                   </a:ext>
                 </a:extLst>
               </a:tr>
-              <a:tr h="215780">
+              <a:tr h="252000">
                 <a:tc vMerge="1">
                   <a:txBody>
                     <a:bodyPr/>
@@ -24465,7 +24478,7 @@
                     <a:p>
                       <a:pPr algn="ctr" rtl="0" fontAlgn="ctr"/>
                       <a:r>
-                        <a:rPr lang="ko-KR" altLang="en-US" sz="1000" b="1" i="0" u="none" strike="noStrike">
+                        <a:rPr lang="ko-KR" altLang="en-US" sz="1000" b="1" i="0" u="none" strike="noStrike" dirty="0">
                           <a:solidFill>
                             <a:srgbClr val="40623D"/>
                           </a:solidFill>
@@ -24523,7 +24536,7 @@
                     <a:p>
                       <a:pPr algn="ctr" fontAlgn="t"/>
                       <a:r>
-                        <a:rPr lang="ko-KR" altLang="en-US" sz="1000" b="1" i="0" u="none" strike="noStrike">
+                        <a:rPr lang="ko-KR" altLang="en-US" sz="1000" b="1" i="0" u="none" strike="noStrike" dirty="0">
                           <a:solidFill>
                             <a:srgbClr val="40623D"/>
                           </a:solidFill>
@@ -24535,7 +24548,7 @@
                       </a:r>
                     </a:p>
                   </a:txBody>
-                  <a:tcPr marL="7767" marR="7767" marT="7767" marB="0">
+                  <a:tcPr marL="7767" marR="7767" marT="7767" marB="0" anchor="ctr">
                     <a:lnL w="12700" cap="flat" cmpd="sng" algn="ctr">
                       <a:solidFill>
                         <a:srgbClr val="40623D"/>
@@ -24638,7 +24651,7 @@
                   </a:ext>
                 </a:extLst>
               </a:tr>
-              <a:tr h="215780">
+              <a:tr h="252000">
                 <a:tc vMerge="1">
                   <a:txBody>
                     <a:bodyPr/>
@@ -24668,7 +24681,7 @@
                     <a:p>
                       <a:pPr algn="ctr" fontAlgn="ctr"/>
                       <a:r>
-                        <a:rPr lang="en-US" altLang="ko-KR" sz="900" b="1" i="0" u="none" strike="noStrike">
+                        <a:rPr lang="en-US" altLang="ko-KR" sz="1000" b="1" i="0" u="none" strike="noStrike" dirty="0">
                           <a:solidFill>
                             <a:srgbClr val="40623D"/>
                           </a:solidFill>
@@ -24679,7 +24692,7 @@
                         <a:t>My</a:t>
                       </a:r>
                       <a:r>
-                        <a:rPr lang="ko-KR" altLang="en-US" sz="900" b="1" i="0" u="none" strike="noStrike">
+                        <a:rPr lang="ko-KR" altLang="en-US" sz="1000" b="1" i="0" u="none" strike="noStrike" dirty="0">
                           <a:solidFill>
                             <a:srgbClr val="40623D"/>
                           </a:solidFill>
@@ -24690,7 +24703,7 @@
                         <a:t>레시피</a:t>
                       </a:r>
                       <a:r>
-                        <a:rPr lang="en-US" altLang="ko-KR" sz="900" b="1" i="0" u="none" strike="noStrike">
+                        <a:rPr lang="en-US" altLang="ko-KR" sz="1000" b="1" i="0" u="none" strike="noStrike" dirty="0">
                           <a:solidFill>
                             <a:srgbClr val="40623D"/>
                           </a:solidFill>
@@ -24701,7 +24714,7 @@
                         <a:t>(</a:t>
                       </a:r>
                       <a:r>
-                        <a:rPr lang="ko-KR" altLang="en-US" sz="900" b="1" i="0" u="none" strike="noStrike">
+                        <a:rPr lang="ko-KR" altLang="en-US" sz="1000" b="1" i="0" u="none" strike="noStrike" dirty="0" err="1">
                           <a:solidFill>
                             <a:srgbClr val="40623D"/>
                           </a:solidFill>
@@ -24712,7 +24725,7 @@
                         <a:t>즐겨찾기</a:t>
                       </a:r>
                       <a:r>
-                        <a:rPr lang="en-US" altLang="ko-KR" sz="900" b="1" i="0" u="none" strike="noStrike">
+                        <a:rPr lang="en-US" altLang="ko-KR" sz="1000" b="1" i="0" u="none" strike="noStrike" dirty="0">
                           <a:solidFill>
                             <a:srgbClr val="40623D"/>
                           </a:solidFill>
@@ -24770,7 +24783,7 @@
                     <a:p>
                       <a:pPr algn="l" fontAlgn="ctr"/>
                       <a:r>
-                        <a:rPr lang="ko-KR" altLang="en-US" sz="900" b="1" i="0" u="none" strike="noStrike">
+                        <a:rPr lang="ko-KR" altLang="en-US" sz="1000" b="1" i="0" u="none" strike="noStrike" dirty="0">
                           <a:solidFill>
                             <a:srgbClr val="40623D"/>
                           </a:solidFill>
@@ -24885,7 +24898,7 @@
                   </a:ext>
                 </a:extLst>
               </a:tr>
-              <a:tr h="215780">
+              <a:tr h="252000">
                 <a:tc vMerge="1">
                   <a:txBody>
                     <a:bodyPr/>
@@ -24962,18 +24975,29 @@
                     <a:p>
                       <a:pPr algn="ctr" fontAlgn="ctr"/>
                       <a:r>
-                        <a:rPr lang="en-US" sz="900" b="1" i="0" u="none" strike="noStrike">
-                          <a:solidFill>
-                            <a:srgbClr val="40623D"/>
-                          </a:solidFill>
-                          <a:effectLst/>
-                          <a:latin typeface="맑은 고딕" panose="020B0503020000020004" pitchFamily="50" charset="-127"/>
-                          <a:ea typeface="맑은 고딕" panose="020B0503020000020004" pitchFamily="50" charset="-127"/>
-                        </a:rPr>
-                        <a:t>zerowaste  </a:t>
-                      </a:r>
-                      <a:r>
-                        <a:rPr lang="ko-KR" altLang="en-US" sz="900" b="1" i="0" u="none" strike="noStrike">
+                        <a:rPr lang="en-US" sz="1000" b="1" i="0" u="none" strike="noStrike" dirty="0" err="1">
+                          <a:solidFill>
+                            <a:srgbClr val="40623D"/>
+                          </a:solidFill>
+                          <a:effectLst/>
+                          <a:latin typeface="맑은 고딕" panose="020B0503020000020004" pitchFamily="50" charset="-127"/>
+                          <a:ea typeface="맑은 고딕" panose="020B0503020000020004" pitchFamily="50" charset="-127"/>
+                        </a:rPr>
+                        <a:t>zerowaste</a:t>
+                      </a:r>
+                      <a:r>
+                        <a:rPr lang="en-US" sz="1000" b="1" i="0" u="none" strike="noStrike" dirty="0">
+                          <a:solidFill>
+                            <a:srgbClr val="40623D"/>
+                          </a:solidFill>
+                          <a:effectLst/>
+                          <a:latin typeface="맑은 고딕" panose="020B0503020000020004" pitchFamily="50" charset="-127"/>
+                          <a:ea typeface="맑은 고딕" panose="020B0503020000020004" pitchFamily="50" charset="-127"/>
+                        </a:rPr>
+                        <a:t>  </a:t>
+                      </a:r>
+                      <a:r>
+                        <a:rPr lang="ko-KR" altLang="en-US" sz="1000" b="1" i="0" u="none" strike="noStrike" dirty="0">
                           <a:solidFill>
                             <a:srgbClr val="40623D"/>
                           </a:solidFill>
@@ -25031,15 +25055,37 @@
                     <a:p>
                       <a:pPr algn="ctr" fontAlgn="ctr"/>
                       <a:r>
-                        <a:rPr lang="ko-KR" altLang="en-US" sz="900" b="1" i="0" u="none" strike="noStrike">
-                          <a:solidFill>
-                            <a:srgbClr val="40623D"/>
-                          </a:solidFill>
-                          <a:effectLst/>
-                          <a:latin typeface="맑은 고딕" panose="020B0503020000020004" pitchFamily="50" charset="-127"/>
-                          <a:ea typeface="맑은 고딕" panose="020B0503020000020004" pitchFamily="50" charset="-127"/>
-                        </a:rPr>
-                        <a:t>남은 잔반 활용 레시피</a:t>
+                        <a:rPr lang="ko-KR" altLang="en-US" sz="1000" b="1" i="0" u="none" strike="noStrike" dirty="0">
+                          <a:solidFill>
+                            <a:srgbClr val="40623D"/>
+                          </a:solidFill>
+                          <a:effectLst/>
+                          <a:latin typeface="맑은 고딕" panose="020B0503020000020004" pitchFamily="50" charset="-127"/>
+                          <a:ea typeface="맑은 고딕" panose="020B0503020000020004" pitchFamily="50" charset="-127"/>
+                        </a:rPr>
+                        <a:t>남은 </a:t>
+                      </a:r>
+                      <a:r>
+                        <a:rPr lang="ko-KR" altLang="en-US" sz="1000" b="1" i="0" u="none" strike="noStrike" dirty="0" err="1">
+                          <a:solidFill>
+                            <a:srgbClr val="40623D"/>
+                          </a:solidFill>
+                          <a:effectLst/>
+                          <a:latin typeface="맑은 고딕" panose="020B0503020000020004" pitchFamily="50" charset="-127"/>
+                          <a:ea typeface="맑은 고딕" panose="020B0503020000020004" pitchFamily="50" charset="-127"/>
+                        </a:rPr>
+                        <a:t>잔반</a:t>
+                      </a:r>
+                      <a:r>
+                        <a:rPr lang="ko-KR" altLang="en-US" sz="1000" b="1" i="0" u="none" strike="noStrike" dirty="0">
+                          <a:solidFill>
+                            <a:srgbClr val="40623D"/>
+                          </a:solidFill>
+                          <a:effectLst/>
+                          <a:latin typeface="맑은 고딕" panose="020B0503020000020004" pitchFamily="50" charset="-127"/>
+                          <a:ea typeface="맑은 고딕" panose="020B0503020000020004" pitchFamily="50" charset="-127"/>
+                        </a:rPr>
+                        <a:t> 활용 레시피</a:t>
                       </a:r>
                     </a:p>
                   </a:txBody>
@@ -25277,7 +25323,7 @@
                   </a:ext>
                 </a:extLst>
               </a:tr>
-              <a:tr h="215780">
+              <a:tr h="252000">
                 <a:tc vMerge="1">
                   <a:txBody>
                     <a:bodyPr/>
@@ -25307,7 +25353,7 @@
                     <a:p>
                       <a:pPr algn="ctr" fontAlgn="ctr"/>
                       <a:r>
-                        <a:rPr lang="ko-KR" altLang="en-US" sz="900" b="1" i="0" u="none" strike="noStrike">
+                        <a:rPr lang="ko-KR" altLang="en-US" sz="1000" b="1" i="0" u="none" strike="noStrike" dirty="0">
                           <a:solidFill>
                             <a:srgbClr val="40623D"/>
                           </a:solidFill>
@@ -25365,7 +25411,7 @@
                     <a:p>
                       <a:pPr algn="ctr" fontAlgn="ctr"/>
                       <a:r>
-                        <a:rPr lang="ko-KR" altLang="en-US" sz="900" b="1" i="0" u="none" strike="noStrike">
+                        <a:rPr lang="ko-KR" altLang="en-US" sz="1000" b="1" i="0" u="none" strike="noStrike" dirty="0">
                           <a:solidFill>
                             <a:srgbClr val="40623D"/>
                           </a:solidFill>
@@ -25433,7 +25479,7 @@
                   </a:ext>
                 </a:extLst>
               </a:tr>
-              <a:tr h="215780">
+              <a:tr h="252000">
                 <a:tc vMerge="1">
                   <a:txBody>
                     <a:bodyPr/>
@@ -25463,7 +25509,7 @@
                     <a:p>
                       <a:pPr algn="ctr" rtl="0" fontAlgn="ctr"/>
                       <a:r>
-                        <a:rPr lang="ko-KR" altLang="en-US" sz="1000" b="1" i="0" u="none" strike="noStrike">
+                        <a:rPr lang="ko-KR" altLang="en-US" sz="1000" b="1" i="0" u="none" strike="noStrike" dirty="0">
                           <a:solidFill>
                             <a:srgbClr val="40623D"/>
                           </a:solidFill>
@@ -25589,7 +25635,7 @@
                   </a:ext>
                 </a:extLst>
               </a:tr>
-              <a:tr h="215780">
+              <a:tr h="252000">
                 <a:tc vMerge="1">
                   <a:txBody>
                     <a:bodyPr/>
@@ -25666,7 +25712,7 @@
                     <a:p>
                       <a:pPr algn="ctr" rtl="0" fontAlgn="ctr"/>
                       <a:r>
-                        <a:rPr lang="ko-KR" altLang="en-US" sz="1000" b="1" i="0" u="none" strike="noStrike">
+                        <a:rPr lang="ko-KR" altLang="en-US" sz="1000" b="1" i="0" u="none" strike="noStrike" dirty="0">
                           <a:solidFill>
                             <a:srgbClr val="40623D"/>
                           </a:solidFill>
@@ -25724,7 +25770,7 @@
                     <a:p>
                       <a:pPr algn="ctr" rtl="0" fontAlgn="ctr"/>
                       <a:r>
-                        <a:rPr lang="ko-KR" altLang="en-US" sz="1000" b="1" i="0" u="none" strike="noStrike">
+                        <a:rPr lang="ko-KR" altLang="en-US" sz="1000" b="1" i="0" u="none" strike="noStrike" dirty="0">
                           <a:solidFill>
                             <a:srgbClr val="40623D"/>
                           </a:solidFill>
@@ -25861,7 +25907,7 @@
                   </a:ext>
                 </a:extLst>
               </a:tr>
-              <a:tr h="215780">
+              <a:tr h="252000">
                 <a:tc vMerge="1">
                   <a:txBody>
                     <a:bodyPr/>
@@ -25891,7 +25937,7 @@
                     <a:p>
                       <a:pPr algn="ctr" rtl="0" fontAlgn="ctr"/>
                       <a:r>
-                        <a:rPr lang="en-US" altLang="ko-KR" sz="1000" b="1" i="0" u="none" strike="noStrike">
+                        <a:rPr lang="en-US" altLang="ko-KR" sz="1000" b="1" i="0" u="none" strike="noStrike" dirty="0">
                           <a:solidFill>
                             <a:srgbClr val="40623D"/>
                           </a:solidFill>
@@ -25902,7 +25948,7 @@
                         <a:t>1:1</a:t>
                       </a:r>
                       <a:r>
-                        <a:rPr lang="ko-KR" altLang="en-US" sz="1000" b="1" i="0" u="none" strike="noStrike">
+                        <a:rPr lang="ko-KR" altLang="en-US" sz="1000" b="1" i="0" u="none" strike="noStrike" dirty="0">
                           <a:solidFill>
                             <a:srgbClr val="40623D"/>
                           </a:solidFill>
@@ -25960,52 +26006,38 @@
                     <a:p>
                       <a:pPr algn="ctr" fontAlgn="t"/>
                       <a:r>
-                        <a:rPr lang="en-US" altLang="ko-KR" sz="1000" b="1" i="0" u="none" strike="noStrike">
-                          <a:solidFill>
-                            <a:srgbClr val="40623D"/>
-                          </a:solidFill>
-                          <a:effectLst/>
-                          <a:latin typeface="맑은 고딕" panose="020B0503020000020004" pitchFamily="50" charset="-127"/>
-                          <a:ea typeface="맑은 고딕" panose="020B0503020000020004" pitchFamily="50" charset="-127"/>
-                        </a:rPr>
-                        <a:t>1:1 </a:t>
-                      </a:r>
-                      <a:r>
-                        <a:rPr lang="ko-KR" altLang="en-US" sz="1000" b="1" i="0" u="none" strike="noStrike">
-                          <a:solidFill>
-                            <a:srgbClr val="40623D"/>
-                          </a:solidFill>
-                          <a:effectLst/>
-                          <a:latin typeface="맑은 고딕" panose="020B0503020000020004" pitchFamily="50" charset="-127"/>
-                          <a:ea typeface="맑은 고딕" panose="020B0503020000020004" pitchFamily="50" charset="-127"/>
-                        </a:rPr>
-                        <a:t>문의 제목</a:t>
-                      </a:r>
-                      <a:r>
-                        <a:rPr lang="en-US" altLang="ko-KR" sz="1000" b="1" i="0" u="none" strike="noStrike">
-                          <a:solidFill>
-                            <a:srgbClr val="40623D"/>
-                          </a:solidFill>
-                          <a:effectLst/>
-                          <a:latin typeface="맑은 고딕" panose="020B0503020000020004" pitchFamily="50" charset="-127"/>
-                          <a:ea typeface="맑은 고딕" panose="020B0503020000020004" pitchFamily="50" charset="-127"/>
-                        </a:rPr>
-                        <a:t>, </a:t>
-                      </a:r>
-                      <a:r>
-                        <a:rPr lang="ko-KR" altLang="en-US" sz="1000" b="1" i="0" u="none" strike="noStrike">
-                          <a:solidFill>
-                            <a:srgbClr val="40623D"/>
-                          </a:solidFill>
-                          <a:effectLst/>
-                          <a:latin typeface="맑은 고딕" panose="020B0503020000020004" pitchFamily="50" charset="-127"/>
-                          <a:ea typeface="맑은 고딕" panose="020B0503020000020004" pitchFamily="50" charset="-127"/>
-                        </a:rPr>
-                        <a:t>내용 입력</a:t>
-                      </a:r>
+                        <a:rPr lang="ko-KR" altLang="en-US" sz="1000" b="1" i="0" u="none" strike="noStrike" dirty="0" smtClean="0">
+                          <a:solidFill>
+                            <a:srgbClr val="40623D"/>
+                          </a:solidFill>
+                          <a:effectLst/>
+                          <a:latin typeface="맑은 고딕" panose="020B0503020000020004" pitchFamily="50" charset="-127"/>
+                          <a:ea typeface="맑은 고딕" panose="020B0503020000020004" pitchFamily="50" charset="-127"/>
+                        </a:rPr>
+                        <a:t>문의 메일</a:t>
+                      </a:r>
+                      <a:r>
+                        <a:rPr lang="ko-KR" altLang="en-US" sz="1000" b="1" i="0" u="none" strike="noStrike" baseline="0" dirty="0" smtClean="0">
+                          <a:solidFill>
+                            <a:srgbClr val="40623D"/>
+                          </a:solidFill>
+                          <a:effectLst/>
+                          <a:latin typeface="맑은 고딕" panose="020B0503020000020004" pitchFamily="50" charset="-127"/>
+                          <a:ea typeface="맑은 고딕" panose="020B0503020000020004" pitchFamily="50" charset="-127"/>
+                        </a:rPr>
+                        <a:t> 정보</a:t>
+                      </a:r>
+                      <a:endParaRPr lang="ko-KR" altLang="en-US" sz="1000" b="1" i="0" u="none" strike="noStrike" dirty="0">
+                        <a:solidFill>
+                          <a:srgbClr val="40623D"/>
+                        </a:solidFill>
+                        <a:effectLst/>
+                        <a:latin typeface="맑은 고딕" panose="020B0503020000020004" pitchFamily="50" charset="-127"/>
+                        <a:ea typeface="맑은 고딕" panose="020B0503020000020004" pitchFamily="50" charset="-127"/>
+                      </a:endParaRPr>
                     </a:p>
                   </a:txBody>
-                  <a:tcPr marL="7767" marR="7767" marT="7767" marB="0">
+                  <a:tcPr marL="7767" marR="7767" marT="7767" marB="0" anchor="ctr">
                     <a:lnL w="12700" cap="flat" cmpd="sng" algn="ctr">
                       <a:solidFill>
                         <a:srgbClr val="40623D"/>
@@ -26081,8 +26113,27 @@
                           <a:latin typeface="맑은 고딕" panose="020B0503020000020004" pitchFamily="50" charset="-127"/>
                           <a:ea typeface="맑은 고딕" panose="020B0503020000020004" pitchFamily="50" charset="-127"/>
                         </a:rPr>
-                        <a:t>건의 사항 리포트</a:t>
-                      </a:r>
+                        <a:t>건의 사항 </a:t>
+                      </a:r>
+                      <a:r>
+                        <a:rPr lang="ko-KR" altLang="en-US" sz="1000" b="1" i="0" u="none" strike="noStrike" dirty="0" smtClean="0">
+                          <a:solidFill>
+                            <a:srgbClr val="40623D"/>
+                          </a:solidFill>
+                          <a:effectLst/>
+                          <a:latin typeface="맑은 고딕" panose="020B0503020000020004" pitchFamily="50" charset="-127"/>
+                          <a:ea typeface="맑은 고딕" panose="020B0503020000020004" pitchFamily="50" charset="-127"/>
+                        </a:rPr>
+                        <a:t>리포트를 위한 메일 정보</a:t>
+                      </a:r>
+                      <a:endParaRPr lang="ko-KR" altLang="en-US" sz="1000" b="1" i="0" u="none" strike="noStrike" dirty="0">
+                        <a:solidFill>
+                          <a:srgbClr val="40623D"/>
+                        </a:solidFill>
+                        <a:effectLst/>
+                        <a:latin typeface="맑은 고딕" panose="020B0503020000020004" pitchFamily="50" charset="-127"/>
+                        <a:ea typeface="맑은 고딕" panose="020B0503020000020004" pitchFamily="50" charset="-127"/>
+                      </a:endParaRPr>
                     </a:p>
                   </a:txBody>
                   <a:tcPr marL="7767" marR="7767" marT="7767" marB="0" anchor="ctr">
@@ -26130,7 +26181,7 @@
                   </a:ext>
                 </a:extLst>
               </a:tr>
-              <a:tr h="225161">
+              <a:tr h="252000">
                 <a:tc>
                   <a:txBody>
                     <a:bodyPr/>
@@ -26257,7 +26308,7 @@
                     <a:p>
                       <a:pPr algn="ctr" rtl="0" fontAlgn="ctr"/>
                       <a:r>
-                        <a:rPr lang="ko-KR" altLang="en-US" sz="1000" b="1" i="0" u="none" strike="noStrike">
+                        <a:rPr lang="ko-KR" altLang="en-US" sz="1000" b="1" i="0" u="none" strike="noStrike" dirty="0">
                           <a:solidFill>
                             <a:srgbClr val="40623D"/>
                           </a:solidFill>
@@ -26268,7 +26319,7 @@
                         <a:t>공지사항 수정</a:t>
                       </a:r>
                       <a:r>
-                        <a:rPr lang="en-US" altLang="ko-KR" sz="1000" b="1" i="0" u="none" strike="noStrike">
+                        <a:rPr lang="en-US" altLang="ko-KR" sz="1000" b="1" i="0" u="none" strike="noStrike" dirty="0">
                           <a:solidFill>
                             <a:srgbClr val="40623D"/>
                           </a:solidFill>
@@ -26279,7 +26330,7 @@
                         <a:t>, </a:t>
                       </a:r>
                       <a:r>
-                        <a:rPr lang="ko-KR" altLang="en-US" sz="1000" b="1" i="0" u="none" strike="noStrike">
+                        <a:rPr lang="ko-KR" altLang="en-US" sz="1000" b="1" i="0" u="none" strike="noStrike" dirty="0">
                           <a:solidFill>
                             <a:srgbClr val="40623D"/>
                           </a:solidFill>
@@ -26349,7 +26400,7 @@
                       </a:r>
                     </a:p>
                   </a:txBody>
-                  <a:tcPr marL="7767" marR="7767" marT="7767" marB="0">
+                  <a:tcPr marL="7767" marR="7767" marT="7767" marB="0" anchor="ctr">
                     <a:lnL w="12700" cap="flat" cmpd="sng" algn="ctr">
                       <a:solidFill>
                         <a:srgbClr val="40623D"/>
@@ -26549,7 +26600,7 @@
                 <a14:useLocalDpi xmlns:a14="http://schemas.microsoft.com/office/drawing/2010/main" val="0"/>
               </a:ext>
               <a:ext uri="{96DAC541-7B7A-43D3-8B79-37D633B846F1}">
-                <asvg:svgBlip xmlns:asvg="http://schemas.microsoft.com/office/drawing/2016/SVG/main" xmlns="" r:embed="rId3"/>
+                <asvg:svgBlip xmlns="" xmlns:asvg="http://schemas.microsoft.com/office/drawing/2016/SVG/main" r:embed="rId3"/>
               </a:ext>
             </a:extLst>
           </a:blip>
